--- a/planning/졸업작품 제안서.pptx
+++ b/planning/졸업작품 제안서.pptx
@@ -11242,680 +11242,6 @@
       </p:sp>
       <p:grpSp>
         <p:nvGrpSpPr>
-          <p:cNvPr id="13" name="그룹 12">
-            <a:extLst>
-              <a:ext uri="{FF2B5EF4-FFF2-40B4-BE49-F238E27FC236}">
-                <a16:creationId xmlns:a16="http://schemas.microsoft.com/office/drawing/2014/main" id="{F141F086-D30B-4193-97C3-7E1126835EE9}"/>
-              </a:ext>
-            </a:extLst>
-          </p:cNvPr>
-          <p:cNvGrpSpPr/>
-          <p:nvPr/>
-        </p:nvGrpSpPr>
-        <p:grpSpPr>
-          <a:xfrm>
-            <a:off x="1798071" y="1168399"/>
-            <a:ext cx="3785299" cy="46182"/>
-            <a:chOff x="1864135" y="725053"/>
-            <a:chExt cx="3785299" cy="46182"/>
-          </a:xfrm>
-        </p:grpSpPr>
-        <p:sp>
-          <p:nvSpPr>
-            <p:cNvPr id="15" name="타원 14">
-              <a:extLst>
-                <a:ext uri="{FF2B5EF4-FFF2-40B4-BE49-F238E27FC236}">
-                  <a16:creationId xmlns:a16="http://schemas.microsoft.com/office/drawing/2014/main" id="{58AD61AD-4BDF-4974-BEFD-3AB7D4DF8D23}"/>
-                </a:ext>
-              </a:extLst>
-            </p:cNvPr>
-            <p:cNvSpPr/>
-            <p:nvPr/>
-          </p:nvSpPr>
-          <p:spPr>
-            <a:xfrm>
-              <a:off x="5603252" y="725053"/>
-              <a:ext cx="46182" cy="46182"/>
-            </a:xfrm>
-            <a:prstGeom prst="ellipse">
-              <a:avLst/>
-            </a:prstGeom>
-            <a:solidFill>
-              <a:schemeClr val="bg1"/>
-            </a:solidFill>
-            <a:ln>
-              <a:noFill/>
-            </a:ln>
-          </p:spPr>
-          <p:style>
-            <a:lnRef idx="2">
-              <a:schemeClr val="accent1">
-                <a:shade val="50000"/>
-              </a:schemeClr>
-            </a:lnRef>
-            <a:fillRef idx="1">
-              <a:schemeClr val="accent1"/>
-            </a:fillRef>
-            <a:effectRef idx="0">
-              <a:schemeClr val="accent1"/>
-            </a:effectRef>
-            <a:fontRef idx="minor">
-              <a:schemeClr val="lt1"/>
-            </a:fontRef>
-          </p:style>
-          <p:txBody>
-            <a:bodyPr rtlCol="0" anchor="ctr"/>
-            <a:lstStyle/>
-            <a:p>
-              <a:pPr algn="ctr"/>
-              <a:endParaRPr lang="en-US" dirty="0"/>
-            </a:p>
-          </p:txBody>
-        </p:sp>
-        <p:sp>
-          <p:nvSpPr>
-            <p:cNvPr id="18" name="타원 17">
-              <a:extLst>
-                <a:ext uri="{FF2B5EF4-FFF2-40B4-BE49-F238E27FC236}">
-                  <a16:creationId xmlns:a16="http://schemas.microsoft.com/office/drawing/2014/main" id="{ECA42963-9C6D-450F-A9A8-E328286B1C0C}"/>
-                </a:ext>
-              </a:extLst>
-            </p:cNvPr>
-            <p:cNvSpPr/>
-            <p:nvPr/>
-          </p:nvSpPr>
-          <p:spPr>
-            <a:xfrm>
-              <a:off x="5483179" y="725053"/>
-              <a:ext cx="46182" cy="46182"/>
-            </a:xfrm>
-            <a:prstGeom prst="ellipse">
-              <a:avLst/>
-            </a:prstGeom>
-            <a:solidFill>
-              <a:schemeClr val="bg1"/>
-            </a:solidFill>
-            <a:ln>
-              <a:noFill/>
-            </a:ln>
-          </p:spPr>
-          <p:style>
-            <a:lnRef idx="2">
-              <a:schemeClr val="accent1">
-                <a:shade val="50000"/>
-              </a:schemeClr>
-            </a:lnRef>
-            <a:fillRef idx="1">
-              <a:schemeClr val="accent1"/>
-            </a:fillRef>
-            <a:effectRef idx="0">
-              <a:schemeClr val="accent1"/>
-            </a:effectRef>
-            <a:fontRef idx="minor">
-              <a:schemeClr val="lt1"/>
-            </a:fontRef>
-          </p:style>
-          <p:txBody>
-            <a:bodyPr rtlCol="0" anchor="ctr"/>
-            <a:lstStyle/>
-            <a:p>
-              <a:pPr algn="ctr"/>
-              <a:endParaRPr lang="en-US" dirty="0"/>
-            </a:p>
-          </p:txBody>
-        </p:sp>
-        <p:sp>
-          <p:nvSpPr>
-            <p:cNvPr id="19" name="타원 18">
-              <a:extLst>
-                <a:ext uri="{FF2B5EF4-FFF2-40B4-BE49-F238E27FC236}">
-                  <a16:creationId xmlns:a16="http://schemas.microsoft.com/office/drawing/2014/main" id="{DE657C3D-DCFE-49E2-BDEC-E2FC6550B374}"/>
-                </a:ext>
-              </a:extLst>
-            </p:cNvPr>
-            <p:cNvSpPr/>
-            <p:nvPr/>
-          </p:nvSpPr>
-          <p:spPr>
-            <a:xfrm>
-              <a:off x="5363106" y="725053"/>
-              <a:ext cx="46182" cy="46182"/>
-            </a:xfrm>
-            <a:prstGeom prst="ellipse">
-              <a:avLst/>
-            </a:prstGeom>
-            <a:solidFill>
-              <a:schemeClr val="bg1"/>
-            </a:solidFill>
-            <a:ln>
-              <a:noFill/>
-            </a:ln>
-          </p:spPr>
-          <p:style>
-            <a:lnRef idx="2">
-              <a:schemeClr val="accent1">
-                <a:shade val="50000"/>
-              </a:schemeClr>
-            </a:lnRef>
-            <a:fillRef idx="1">
-              <a:schemeClr val="accent1"/>
-            </a:fillRef>
-            <a:effectRef idx="0">
-              <a:schemeClr val="accent1"/>
-            </a:effectRef>
-            <a:fontRef idx="minor">
-              <a:schemeClr val="lt1"/>
-            </a:fontRef>
-          </p:style>
-          <p:txBody>
-            <a:bodyPr rtlCol="0" anchor="ctr"/>
-            <a:lstStyle/>
-            <a:p>
-              <a:pPr algn="ctr"/>
-              <a:endParaRPr lang="en-US" dirty="0"/>
-            </a:p>
-          </p:txBody>
-        </p:sp>
-        <p:cxnSp>
-          <p:nvCxnSpPr>
-            <p:cNvPr id="20" name="직선 연결선 19">
-              <a:extLst>
-                <a:ext uri="{FF2B5EF4-FFF2-40B4-BE49-F238E27FC236}">
-                  <a16:creationId xmlns:a16="http://schemas.microsoft.com/office/drawing/2014/main" id="{A845DE5D-B611-47DD-B3EC-EB97D3AB4E2F}"/>
-                </a:ext>
-              </a:extLst>
-            </p:cNvPr>
-            <p:cNvCxnSpPr>
-              <a:cxnSpLocks/>
-            </p:cNvCxnSpPr>
-            <p:nvPr/>
-          </p:nvCxnSpPr>
-          <p:spPr>
-            <a:xfrm flipH="1">
-              <a:off x="1864135" y="734289"/>
-              <a:ext cx="3398982" cy="0"/>
-            </a:xfrm>
-            <a:prstGeom prst="line">
-              <a:avLst/>
-            </a:prstGeom>
-            <a:ln w="44450" cap="rnd">
-              <a:gradFill flip="none" rotWithShape="1">
-                <a:gsLst>
-                  <a:gs pos="100000">
-                    <a:schemeClr val="accent1">
-                      <a:lumMod val="5000"/>
-                      <a:lumOff val="95000"/>
-                      <a:alpha val="0"/>
-                    </a:schemeClr>
-                  </a:gs>
-                  <a:gs pos="0">
-                    <a:schemeClr val="bg1"/>
-                  </a:gs>
-                </a:gsLst>
-                <a:lin ang="0" scaled="1"/>
-                <a:tileRect/>
-              </a:gradFill>
-              <a:round/>
-            </a:ln>
-          </p:spPr>
-          <p:style>
-            <a:lnRef idx="1">
-              <a:schemeClr val="accent1"/>
-            </a:lnRef>
-            <a:fillRef idx="0">
-              <a:schemeClr val="accent1"/>
-            </a:fillRef>
-            <a:effectRef idx="0">
-              <a:schemeClr val="accent1"/>
-            </a:effectRef>
-            <a:fontRef idx="minor">
-              <a:schemeClr val="tx1"/>
-            </a:fontRef>
-          </p:style>
-        </p:cxnSp>
-      </p:grpSp>
-    </p:spTree>
-    <p:extLst>
-      <p:ext uri="{BB962C8B-B14F-4D97-AF65-F5344CB8AC3E}">
-        <p14:creationId xmlns:p14="http://schemas.microsoft.com/office/powerpoint/2010/main" val="4287147070"/>
-      </p:ext>
-    </p:extLst>
-  </p:cSld>
-  <p:clrMapOvr>
-    <a:masterClrMapping/>
-  </p:clrMapOvr>
-</p:sld>
-</file>
-
-<file path=ppt/slides/slide4.xml><?xml version="1.0" encoding="utf-8"?>
-<p:sld xmlns:a="http://schemas.openxmlformats.org/drawingml/2006/main" xmlns:r="http://schemas.openxmlformats.org/officeDocument/2006/relationships" xmlns:p="http://schemas.openxmlformats.org/presentationml/2006/main">
-  <p:cSld>
-    <p:spTree>
-      <p:nvGrpSpPr>
-        <p:cNvPr id="1" name=""/>
-        <p:cNvGrpSpPr/>
-        <p:nvPr/>
-      </p:nvGrpSpPr>
-      <p:grpSpPr>
-        <a:xfrm>
-          <a:off x="0" y="0"/>
-          <a:ext cx="0" cy="0"/>
-          <a:chOff x="0" y="0"/>
-          <a:chExt cx="0" cy="0"/>
-        </a:xfrm>
-      </p:grpSpPr>
-      <p:sp>
-        <p:nvSpPr>
-          <p:cNvPr id="2" name="직사각형 1">
-            <a:extLst>
-              <a:ext uri="{FF2B5EF4-FFF2-40B4-BE49-F238E27FC236}">
-                <a16:creationId xmlns:a16="http://schemas.microsoft.com/office/drawing/2014/main" id="{0BF4380C-7BCB-408F-AB44-3F65689B7EE2}"/>
-              </a:ext>
-            </a:extLst>
-          </p:cNvPr>
-          <p:cNvSpPr/>
-          <p:nvPr/>
-        </p:nvSpPr>
-        <p:spPr>
-          <a:xfrm>
-            <a:off x="1588770" y="0"/>
-            <a:ext cx="46355" cy="6858000"/>
-          </a:xfrm>
-          <a:prstGeom prst="rect">
-            <a:avLst/>
-          </a:prstGeom>
-          <a:solidFill>
-            <a:schemeClr val="bg1">
-              <a:alpha val="40000"/>
-            </a:schemeClr>
-          </a:solidFill>
-          <a:ln>
-            <a:noFill/>
-          </a:ln>
-        </p:spPr>
-        <p:style>
-          <a:lnRef idx="2">
-            <a:schemeClr val="accent1">
-              <a:shade val="50000"/>
-            </a:schemeClr>
-          </a:lnRef>
-          <a:fillRef idx="1">
-            <a:schemeClr val="accent1"/>
-          </a:fillRef>
-          <a:effectRef idx="0">
-            <a:schemeClr val="accent1"/>
-          </a:effectRef>
-          <a:fontRef idx="minor">
-            <a:schemeClr val="lt1"/>
-          </a:fontRef>
-        </p:style>
-        <p:txBody>
-          <a:bodyPr rtlCol="0" anchor="ctr"/>
-          <a:lstStyle/>
-          <a:p>
-            <a:pPr algn="ctr"/>
-            <a:endParaRPr lang="en-US" dirty="0"/>
-          </a:p>
-        </p:txBody>
-      </p:sp>
-      <p:sp>
-        <p:nvSpPr>
-          <p:cNvPr id="7" name="TextBox 6">
-            <a:extLst>
-              <a:ext uri="{FF2B5EF4-FFF2-40B4-BE49-F238E27FC236}">
-                <a16:creationId xmlns:a16="http://schemas.microsoft.com/office/drawing/2014/main" id="{D7208663-32B1-4B7D-87F0-3A1F18036072}"/>
-              </a:ext>
-            </a:extLst>
-          </p:cNvPr>
-          <p:cNvSpPr txBox="1"/>
-          <p:nvPr/>
-        </p:nvSpPr>
-        <p:spPr>
-          <a:xfrm>
-            <a:off x="0" y="155575"/>
-            <a:ext cx="1588770" cy="708025"/>
-          </a:xfrm>
-          <a:prstGeom prst="rect">
-            <a:avLst/>
-          </a:prstGeom>
-          <a:noFill/>
-        </p:spPr>
-        <p:txBody>
-          <a:bodyPr wrap="square" rtlCol="0">
-            <a:spAutoFit/>
-          </a:bodyPr>
-          <a:lstStyle/>
-          <a:p>
-            <a:pPr algn="ctr"/>
-            <a:r>
-              <a:rPr lang="en-US" sz="4000" dirty="0">
-                <a:latin typeface="Gobold" panose="02000500000000000000" pitchFamily="2" charset="0"/>
-              </a:rPr>
-              <a:t>TITLE</a:t>
-            </a:r>
-          </a:p>
-        </p:txBody>
-      </p:sp>
-      <p:sp>
-        <p:nvSpPr>
-          <p:cNvPr id="14" name="TextBox 13"/>
-          <p:cNvSpPr txBox="1">
-            <a:spLocks/>
-          </p:cNvSpPr>
-          <p:nvPr/>
-        </p:nvSpPr>
-        <p:spPr>
-          <a:xfrm>
-            <a:off x="2049145" y="321945"/>
-            <a:ext cx="5156200" cy="707886"/>
-          </a:xfrm>
-          <a:prstGeom prst="rect">
-            <a:avLst/>
-          </a:prstGeom>
-          <a:noFill/>
-        </p:spPr>
-        <p:txBody>
-          <a:bodyPr vert="horz" wrap="square" lIns="91440" tIns="45720" rIns="91440" bIns="45720" numCol="1" anchor="t">
-            <a:spAutoFit/>
-          </a:bodyPr>
-          <a:lstStyle/>
-          <a:p>
-            <a:pPr marL="0" indent="0" algn="l" defTabSz="914400" eaLnBrk="0" fontAlgn="auto" latinLnBrk="0">
-              <a:lnSpc>
-                <a:spcPct val="100000"/>
-              </a:lnSpc>
-              <a:spcBef>
-                <a:spcPts val="0"/>
-              </a:spcBef>
-              <a:spcAft>
-                <a:spcPts val="0"/>
-              </a:spcAft>
-              <a:buFontTx/>
-              <a:buNone/>
-            </a:pPr>
-            <a:r>
-              <a:rPr lang="en-US" altLang="ko-KR" sz="4000" dirty="0">
-                <a:solidFill>
-                  <a:schemeClr val="bg1"/>
-                </a:solidFill>
-                <a:latin typeface="HY견고딕" charset="0"/>
-                <a:ea typeface="HY견고딕" charset="0"/>
-              </a:rPr>
-              <a:t>3</a:t>
-            </a:r>
-            <a:r>
-              <a:rPr lang="en-US" altLang="ko-KR" sz="4000" b="0" cap="none" dirty="0">
-                <a:solidFill>
-                  <a:schemeClr val="bg1"/>
-                </a:solidFill>
-                <a:latin typeface="HY견고딕" charset="0"/>
-                <a:ea typeface="HY견고딕" charset="0"/>
-              </a:rPr>
-              <a:t>. </a:t>
-            </a:r>
-            <a:r>
-              <a:rPr lang="ko-KR" altLang="en-US" sz="4000" dirty="0">
-                <a:solidFill>
-                  <a:schemeClr val="bg1"/>
-                </a:solidFill>
-                <a:latin typeface="HY견고딕" charset="0"/>
-                <a:ea typeface="HY견고딕" charset="0"/>
-              </a:rPr>
-              <a:t>타 게임과의 비교</a:t>
-            </a:r>
-            <a:endParaRPr lang="ko-KR" altLang="en-US" sz="4000" b="0" cap="none" dirty="0">
-              <a:solidFill>
-                <a:schemeClr val="bg1"/>
-              </a:solidFill>
-              <a:latin typeface="HY견고딕" charset="0"/>
-              <a:ea typeface="HY견고딕" charset="0"/>
-            </a:endParaRPr>
-          </a:p>
-        </p:txBody>
-      </p:sp>
-      <p:sp>
-        <p:nvSpPr>
-          <p:cNvPr id="16" name="직사각형 15">
-            <a:extLst>
-              <a:ext uri="{FF2B5EF4-FFF2-40B4-BE49-F238E27FC236}">
-                <a16:creationId xmlns:a16="http://schemas.microsoft.com/office/drawing/2014/main" id="{A2013CBB-84F0-4EAD-B44F-E77B0AF83E6B}"/>
-              </a:ext>
-            </a:extLst>
-          </p:cNvPr>
-          <p:cNvSpPr/>
-          <p:nvPr/>
-        </p:nvSpPr>
-        <p:spPr>
-          <a:xfrm>
-            <a:off x="1798071" y="1560960"/>
-            <a:ext cx="8935085" cy="5064760"/>
-          </a:xfrm>
-          <a:prstGeom prst="rect">
-            <a:avLst/>
-          </a:prstGeom>
-          <a:solidFill>
-            <a:schemeClr val="tx1">
-              <a:alpha val="31000"/>
-            </a:schemeClr>
-          </a:solidFill>
-          <a:ln>
-            <a:noFill/>
-          </a:ln>
-        </p:spPr>
-        <p:style>
-          <a:lnRef idx="2">
-            <a:schemeClr val="accent1">
-              <a:shade val="50000"/>
-            </a:schemeClr>
-          </a:lnRef>
-          <a:fillRef idx="1">
-            <a:schemeClr val="accent1"/>
-          </a:fillRef>
-          <a:effectRef idx="0">
-            <a:schemeClr val="accent1"/>
-          </a:effectRef>
-          <a:fontRef idx="minor">
-            <a:schemeClr val="lt1"/>
-          </a:fontRef>
-        </p:style>
-        <p:txBody>
-          <a:bodyPr rtlCol="0" anchor="ctr"/>
-          <a:lstStyle/>
-          <a:p>
-            <a:pPr algn="ctr"/>
-            <a:endParaRPr lang="en-US" dirty="0"/>
-          </a:p>
-        </p:txBody>
-      </p:sp>
-      <p:sp>
-        <p:nvSpPr>
-          <p:cNvPr id="12" name="TextBox 11">
-            <a:extLst>
-              <a:ext uri="{FF2B5EF4-FFF2-40B4-BE49-F238E27FC236}">
-                <a16:creationId xmlns:a16="http://schemas.microsoft.com/office/drawing/2014/main" id="{6965FF92-FF26-415F-BA19-14E7DCA1754A}"/>
-              </a:ext>
-            </a:extLst>
-          </p:cNvPr>
-          <p:cNvSpPr txBox="1"/>
-          <p:nvPr/>
-        </p:nvSpPr>
-        <p:spPr>
-          <a:xfrm>
-            <a:off x="1927132" y="4981668"/>
-            <a:ext cx="8676098" cy="1323439"/>
-          </a:xfrm>
-          <a:prstGeom prst="rect">
-            <a:avLst/>
-          </a:prstGeom>
-          <a:noFill/>
-        </p:spPr>
-        <p:txBody>
-          <a:bodyPr wrap="square" rtlCol="0">
-            <a:spAutoFit/>
-          </a:bodyPr>
-          <a:lstStyle/>
-          <a:p>
-            <a:r>
-              <a:rPr lang="en-US" altLang="ko-KR" sz="2000" dirty="0">
-                <a:solidFill>
-                  <a:schemeClr val="bg1"/>
-                </a:solidFill>
-                <a:latin typeface="한컴 윤고딕 240" panose="02020603020101020101" pitchFamily="18" charset="-127"/>
-                <a:ea typeface="한컴 윤고딕 240" panose="02020603020101020101" pitchFamily="18" charset="-127"/>
-              </a:rPr>
-              <a:t>‘Dead by Deadlight’ </a:t>
-            </a:r>
-            <a:r>
-              <a:rPr lang="ko-KR" altLang="en-US" sz="2000" dirty="0">
-                <a:solidFill>
-                  <a:schemeClr val="bg1"/>
-                </a:solidFill>
-                <a:latin typeface="한컴 윤고딕 240" panose="02020603020101020101" pitchFamily="18" charset="-127"/>
-                <a:ea typeface="한컴 윤고딕 240" panose="02020603020101020101" pitchFamily="18" charset="-127"/>
-              </a:rPr>
-              <a:t>에서의 기존 플레이 방식을 따왔지만</a:t>
-            </a:r>
-            <a:r>
-              <a:rPr lang="en-US" altLang="ko-KR" sz="2000" dirty="0">
-                <a:solidFill>
-                  <a:schemeClr val="bg1"/>
-                </a:solidFill>
-                <a:latin typeface="한컴 윤고딕 240" panose="02020603020101020101" pitchFamily="18" charset="-127"/>
-                <a:ea typeface="한컴 윤고딕 240" panose="02020603020101020101" pitchFamily="18" charset="-127"/>
-              </a:rPr>
-              <a:t> </a:t>
-            </a:r>
-            <a:r>
-              <a:rPr lang="ko-KR" altLang="en-US" sz="2000" dirty="0" err="1">
-                <a:solidFill>
-                  <a:schemeClr val="bg1"/>
-                </a:solidFill>
-                <a:latin typeface="한컴 윤고딕 240" panose="02020603020101020101" pitchFamily="18" charset="-127"/>
-                <a:ea typeface="한컴 윤고딕 240" panose="02020603020101020101" pitchFamily="18" charset="-127"/>
-              </a:rPr>
-              <a:t>다른점으로는</a:t>
-            </a:r>
-            <a:r>
-              <a:rPr lang="en-US" altLang="ko-KR" sz="2000" dirty="0">
-                <a:solidFill>
-                  <a:schemeClr val="bg1"/>
-                </a:solidFill>
-                <a:latin typeface="한컴 윤고딕 240" panose="02020603020101020101" pitchFamily="18" charset="-127"/>
-                <a:ea typeface="한컴 윤고딕 240" panose="02020603020101020101" pitchFamily="18" charset="-127"/>
-              </a:rPr>
-              <a:t>,</a:t>
-            </a:r>
-          </a:p>
-          <a:p>
-            <a:pPr marL="457200" indent="-457200">
-              <a:buAutoNum type="arabicPeriod"/>
-            </a:pPr>
-            <a:r>
-              <a:rPr lang="ko-KR" altLang="en-US" sz="2000" dirty="0">
-                <a:solidFill>
-                  <a:schemeClr val="bg1"/>
-                </a:solidFill>
-                <a:latin typeface="한컴 윤고딕 240" panose="02020603020101020101" pitchFamily="18" charset="-127"/>
-                <a:ea typeface="한컴 윤고딕 240" panose="02020603020101020101" pitchFamily="18" charset="-127"/>
-              </a:rPr>
-              <a:t>공포스러운 분위기를 </a:t>
-            </a:r>
-            <a:r>
-              <a:rPr lang="ko-KR" altLang="en-US" sz="2000" dirty="0" err="1">
-                <a:solidFill>
-                  <a:schemeClr val="bg1"/>
-                </a:solidFill>
-                <a:latin typeface="한컴 윤고딕 240" panose="02020603020101020101" pitchFamily="18" charset="-127"/>
-                <a:ea typeface="한컴 윤고딕 240" panose="02020603020101020101" pitchFamily="18" charset="-127"/>
-              </a:rPr>
-              <a:t>캐쥬얼</a:t>
-            </a:r>
-            <a:r>
-              <a:rPr lang="ko-KR" altLang="en-US" sz="2000" dirty="0">
-                <a:solidFill>
-                  <a:schemeClr val="bg1"/>
-                </a:solidFill>
-                <a:latin typeface="한컴 윤고딕 240" panose="02020603020101020101" pitchFamily="18" charset="-127"/>
-                <a:ea typeface="한컴 윤고딕 240" panose="02020603020101020101" pitchFamily="18" charset="-127"/>
-              </a:rPr>
-              <a:t> 하게 바꾼다</a:t>
-            </a:r>
-            <a:endParaRPr lang="en-US" altLang="ko-KR" sz="2000" dirty="0">
-              <a:solidFill>
-                <a:schemeClr val="bg1"/>
-              </a:solidFill>
-              <a:latin typeface="한컴 윤고딕 240" panose="02020603020101020101" pitchFamily="18" charset="-127"/>
-              <a:ea typeface="한컴 윤고딕 240" panose="02020603020101020101" pitchFamily="18" charset="-127"/>
-            </a:endParaRPr>
-          </a:p>
-          <a:p>
-            <a:pPr marL="457200" indent="-457200">
-              <a:buAutoNum type="arabicPeriod"/>
-            </a:pPr>
-            <a:r>
-              <a:rPr lang="ko-KR" altLang="en-US" sz="2000" dirty="0">
-                <a:solidFill>
-                  <a:schemeClr val="bg1"/>
-                </a:solidFill>
-                <a:latin typeface="한컴 윤고딕 240" panose="02020603020101020101" pitchFamily="18" charset="-127"/>
-                <a:ea typeface="한컴 윤고딕 240" panose="02020603020101020101" pitchFamily="18" charset="-127"/>
-              </a:rPr>
-              <a:t>보스플레이어만 공격 하는 것이 아닌 일반플레이어도 공격이 가능하게 한다</a:t>
-            </a:r>
-            <a:endParaRPr lang="en-US" altLang="ko-KR" sz="2000" dirty="0">
-              <a:solidFill>
-                <a:schemeClr val="bg1"/>
-              </a:solidFill>
-              <a:latin typeface="한컴 윤고딕 240" panose="02020603020101020101" pitchFamily="18" charset="-127"/>
-              <a:ea typeface="한컴 윤고딕 240" panose="02020603020101020101" pitchFamily="18" charset="-127"/>
-            </a:endParaRPr>
-          </a:p>
-          <a:p>
-            <a:pPr marL="457200" indent="-457200">
-              <a:buAutoNum type="arabicPeriod"/>
-            </a:pPr>
-            <a:r>
-              <a:rPr lang="ko-KR" altLang="en-US" sz="2000" dirty="0">
-                <a:solidFill>
-                  <a:schemeClr val="bg1"/>
-                </a:solidFill>
-                <a:latin typeface="한컴 윤고딕 240" panose="02020603020101020101" pitchFamily="18" charset="-127"/>
-                <a:ea typeface="한컴 윤고딕 240" panose="02020603020101020101" pitchFamily="18" charset="-127"/>
-              </a:rPr>
-              <a:t>일반플레이어는 </a:t>
-            </a:r>
-            <a:r>
-              <a:rPr lang="ko-KR" altLang="en-US" sz="2000" dirty="0" err="1">
-                <a:solidFill>
-                  <a:schemeClr val="bg1"/>
-                </a:solidFill>
-                <a:latin typeface="한컴 윤고딕 240" panose="02020603020101020101" pitchFamily="18" charset="-127"/>
-                <a:ea typeface="한컴 윤고딕 240" panose="02020603020101020101" pitchFamily="18" charset="-127"/>
-              </a:rPr>
-              <a:t>파밍을</a:t>
-            </a:r>
-            <a:r>
-              <a:rPr lang="ko-KR" altLang="en-US" sz="2000" dirty="0">
-                <a:solidFill>
-                  <a:schemeClr val="bg1"/>
-                </a:solidFill>
-                <a:latin typeface="한컴 윤고딕 240" panose="02020603020101020101" pitchFamily="18" charset="-127"/>
-                <a:ea typeface="한컴 윤고딕 240" panose="02020603020101020101" pitchFamily="18" charset="-127"/>
-              </a:rPr>
-              <a:t> 통해 능력치를 끌어올리게 한다</a:t>
-            </a:r>
-            <a:endParaRPr lang="en-US" altLang="ko-KR" sz="2000" dirty="0">
-              <a:solidFill>
-                <a:schemeClr val="bg1"/>
-              </a:solidFill>
-              <a:latin typeface="한컴 윤고딕 240" panose="02020603020101020101" pitchFamily="18" charset="-127"/>
-              <a:ea typeface="한컴 윤고딕 240" panose="02020603020101020101" pitchFamily="18" charset="-127"/>
-            </a:endParaRPr>
-          </a:p>
-        </p:txBody>
-      </p:sp>
-      <p:grpSp>
-        <p:nvGrpSpPr>
           <p:cNvPr id="17" name="그룹 16">
             <a:extLst>
               <a:ext uri="{FF2B5EF4-FFF2-40B4-BE49-F238E27FC236}">
@@ -12148,6 +11474,446 @@
           </p:style>
         </p:cxnSp>
       </p:grpSp>
+    </p:spTree>
+    <p:extLst>
+      <p:ext uri="{BB962C8B-B14F-4D97-AF65-F5344CB8AC3E}">
+        <p14:creationId xmlns:p14="http://schemas.microsoft.com/office/powerpoint/2010/main" val="4287147070"/>
+      </p:ext>
+    </p:extLst>
+  </p:cSld>
+  <p:clrMapOvr>
+    <a:masterClrMapping/>
+  </p:clrMapOvr>
+</p:sld>
+</file>
+
+<file path=ppt/slides/slide4.xml><?xml version="1.0" encoding="utf-8"?>
+<p:sld xmlns:a="http://schemas.openxmlformats.org/drawingml/2006/main" xmlns:r="http://schemas.openxmlformats.org/officeDocument/2006/relationships" xmlns:p="http://schemas.openxmlformats.org/presentationml/2006/main">
+  <p:cSld>
+    <p:spTree>
+      <p:nvGrpSpPr>
+        <p:cNvPr id="1" name=""/>
+        <p:cNvGrpSpPr/>
+        <p:nvPr/>
+      </p:nvGrpSpPr>
+      <p:grpSpPr>
+        <a:xfrm>
+          <a:off x="0" y="0"/>
+          <a:ext cx="0" cy="0"/>
+          <a:chOff x="0" y="0"/>
+          <a:chExt cx="0" cy="0"/>
+        </a:xfrm>
+      </p:grpSpPr>
+      <p:sp>
+        <p:nvSpPr>
+          <p:cNvPr id="2" name="직사각형 1">
+            <a:extLst>
+              <a:ext uri="{FF2B5EF4-FFF2-40B4-BE49-F238E27FC236}">
+                <a16:creationId xmlns:a16="http://schemas.microsoft.com/office/drawing/2014/main" id="{0BF4380C-7BCB-408F-AB44-3F65689B7EE2}"/>
+              </a:ext>
+            </a:extLst>
+          </p:cNvPr>
+          <p:cNvSpPr/>
+          <p:nvPr/>
+        </p:nvSpPr>
+        <p:spPr>
+          <a:xfrm>
+            <a:off x="1588770" y="0"/>
+            <a:ext cx="46355" cy="6858000"/>
+          </a:xfrm>
+          <a:prstGeom prst="rect">
+            <a:avLst/>
+          </a:prstGeom>
+          <a:solidFill>
+            <a:schemeClr val="bg1">
+              <a:alpha val="40000"/>
+            </a:schemeClr>
+          </a:solidFill>
+          <a:ln>
+            <a:noFill/>
+          </a:ln>
+        </p:spPr>
+        <p:style>
+          <a:lnRef idx="2">
+            <a:schemeClr val="accent1">
+              <a:shade val="50000"/>
+            </a:schemeClr>
+          </a:lnRef>
+          <a:fillRef idx="1">
+            <a:schemeClr val="accent1"/>
+          </a:fillRef>
+          <a:effectRef idx="0">
+            <a:schemeClr val="accent1"/>
+          </a:effectRef>
+          <a:fontRef idx="minor">
+            <a:schemeClr val="lt1"/>
+          </a:fontRef>
+        </p:style>
+        <p:txBody>
+          <a:bodyPr rtlCol="0" anchor="ctr"/>
+          <a:lstStyle/>
+          <a:p>
+            <a:pPr algn="ctr"/>
+            <a:endParaRPr lang="en-US" dirty="0"/>
+          </a:p>
+        </p:txBody>
+      </p:sp>
+      <p:sp>
+        <p:nvSpPr>
+          <p:cNvPr id="7" name="TextBox 6">
+            <a:extLst>
+              <a:ext uri="{FF2B5EF4-FFF2-40B4-BE49-F238E27FC236}">
+                <a16:creationId xmlns:a16="http://schemas.microsoft.com/office/drawing/2014/main" id="{D7208663-32B1-4B7D-87F0-3A1F18036072}"/>
+              </a:ext>
+            </a:extLst>
+          </p:cNvPr>
+          <p:cNvSpPr txBox="1"/>
+          <p:nvPr/>
+        </p:nvSpPr>
+        <p:spPr>
+          <a:xfrm>
+            <a:off x="0" y="155575"/>
+            <a:ext cx="1588770" cy="708025"/>
+          </a:xfrm>
+          <a:prstGeom prst="rect">
+            <a:avLst/>
+          </a:prstGeom>
+          <a:noFill/>
+        </p:spPr>
+        <p:txBody>
+          <a:bodyPr wrap="square" rtlCol="0">
+            <a:spAutoFit/>
+          </a:bodyPr>
+          <a:lstStyle/>
+          <a:p>
+            <a:pPr algn="ctr"/>
+            <a:r>
+              <a:rPr lang="en-US" sz="4000" dirty="0">
+                <a:latin typeface="Gobold" panose="02000500000000000000" pitchFamily="2" charset="0"/>
+              </a:rPr>
+              <a:t>TITLE</a:t>
+            </a:r>
+          </a:p>
+        </p:txBody>
+      </p:sp>
+      <p:sp>
+        <p:nvSpPr>
+          <p:cNvPr id="14" name="TextBox 13"/>
+          <p:cNvSpPr txBox="1">
+            <a:spLocks/>
+          </p:cNvSpPr>
+          <p:nvPr/>
+        </p:nvSpPr>
+        <p:spPr>
+          <a:xfrm>
+            <a:off x="2049145" y="321945"/>
+            <a:ext cx="5156200" cy="707886"/>
+          </a:xfrm>
+          <a:prstGeom prst="rect">
+            <a:avLst/>
+          </a:prstGeom>
+          <a:noFill/>
+        </p:spPr>
+        <p:txBody>
+          <a:bodyPr vert="horz" wrap="square" lIns="91440" tIns="45720" rIns="91440" bIns="45720" numCol="1" anchor="t">
+            <a:spAutoFit/>
+          </a:bodyPr>
+          <a:lstStyle/>
+          <a:p>
+            <a:pPr marL="0" indent="0" algn="l" defTabSz="914400" eaLnBrk="0" fontAlgn="auto" latinLnBrk="0">
+              <a:lnSpc>
+                <a:spcPct val="100000"/>
+              </a:lnSpc>
+              <a:spcBef>
+                <a:spcPts val="0"/>
+              </a:spcBef>
+              <a:spcAft>
+                <a:spcPts val="0"/>
+              </a:spcAft>
+              <a:buFontTx/>
+              <a:buNone/>
+            </a:pPr>
+            <a:r>
+              <a:rPr lang="en-US" altLang="ko-KR" sz="4000" dirty="0">
+                <a:solidFill>
+                  <a:schemeClr val="bg1"/>
+                </a:solidFill>
+                <a:latin typeface="HY견고딕" charset="0"/>
+                <a:ea typeface="HY견고딕" charset="0"/>
+              </a:rPr>
+              <a:t>3</a:t>
+            </a:r>
+            <a:r>
+              <a:rPr lang="en-US" altLang="ko-KR" sz="4000" b="0" cap="none" dirty="0">
+                <a:solidFill>
+                  <a:schemeClr val="bg1"/>
+                </a:solidFill>
+                <a:latin typeface="HY견고딕" charset="0"/>
+                <a:ea typeface="HY견고딕" charset="0"/>
+              </a:rPr>
+              <a:t>. </a:t>
+            </a:r>
+            <a:r>
+              <a:rPr lang="ko-KR" altLang="en-US" sz="4000" dirty="0">
+                <a:solidFill>
+                  <a:schemeClr val="bg1"/>
+                </a:solidFill>
+                <a:latin typeface="HY견고딕" charset="0"/>
+                <a:ea typeface="HY견고딕" charset="0"/>
+              </a:rPr>
+              <a:t>타 게임과의 비교</a:t>
+            </a:r>
+            <a:endParaRPr lang="ko-KR" altLang="en-US" sz="4000" b="0" cap="none" dirty="0">
+              <a:solidFill>
+                <a:schemeClr val="bg1"/>
+              </a:solidFill>
+              <a:latin typeface="HY견고딕" charset="0"/>
+              <a:ea typeface="HY견고딕" charset="0"/>
+            </a:endParaRPr>
+          </a:p>
+        </p:txBody>
+      </p:sp>
+      <p:sp>
+        <p:nvSpPr>
+          <p:cNvPr id="16" name="직사각형 15">
+            <a:extLst>
+              <a:ext uri="{FF2B5EF4-FFF2-40B4-BE49-F238E27FC236}">
+                <a16:creationId xmlns:a16="http://schemas.microsoft.com/office/drawing/2014/main" id="{A2013CBB-84F0-4EAD-B44F-E77B0AF83E6B}"/>
+              </a:ext>
+            </a:extLst>
+          </p:cNvPr>
+          <p:cNvSpPr/>
+          <p:nvPr/>
+        </p:nvSpPr>
+        <p:spPr>
+          <a:xfrm>
+            <a:off x="1798071" y="1560960"/>
+            <a:ext cx="8935085" cy="5064760"/>
+          </a:xfrm>
+          <a:prstGeom prst="rect">
+            <a:avLst/>
+          </a:prstGeom>
+          <a:solidFill>
+            <a:schemeClr val="tx1">
+              <a:alpha val="31000"/>
+            </a:schemeClr>
+          </a:solidFill>
+          <a:ln>
+            <a:noFill/>
+          </a:ln>
+        </p:spPr>
+        <p:style>
+          <a:lnRef idx="2">
+            <a:schemeClr val="accent1">
+              <a:shade val="50000"/>
+            </a:schemeClr>
+          </a:lnRef>
+          <a:fillRef idx="1">
+            <a:schemeClr val="accent1"/>
+          </a:fillRef>
+          <a:effectRef idx="0">
+            <a:schemeClr val="accent1"/>
+          </a:effectRef>
+          <a:fontRef idx="minor">
+            <a:schemeClr val="lt1"/>
+          </a:fontRef>
+        </p:style>
+        <p:txBody>
+          <a:bodyPr rtlCol="0" anchor="ctr"/>
+          <a:lstStyle/>
+          <a:p>
+            <a:pPr algn="ctr"/>
+            <a:endParaRPr lang="en-US" dirty="0"/>
+          </a:p>
+        </p:txBody>
+      </p:sp>
+      <p:sp>
+        <p:nvSpPr>
+          <p:cNvPr id="12" name="TextBox 11">
+            <a:extLst>
+              <a:ext uri="{FF2B5EF4-FFF2-40B4-BE49-F238E27FC236}">
+                <a16:creationId xmlns:a16="http://schemas.microsoft.com/office/drawing/2014/main" id="{6965FF92-FF26-415F-BA19-14E7DCA1754A}"/>
+              </a:ext>
+            </a:extLst>
+          </p:cNvPr>
+          <p:cNvSpPr txBox="1"/>
+          <p:nvPr/>
+        </p:nvSpPr>
+        <p:spPr>
+          <a:xfrm>
+            <a:off x="1927132" y="5032002"/>
+            <a:ext cx="8676098" cy="1323439"/>
+          </a:xfrm>
+          <a:prstGeom prst="rect">
+            <a:avLst/>
+          </a:prstGeom>
+          <a:noFill/>
+        </p:spPr>
+        <p:txBody>
+          <a:bodyPr wrap="square" rtlCol="0">
+            <a:spAutoFit/>
+          </a:bodyPr>
+          <a:lstStyle/>
+          <a:p>
+            <a:r>
+              <a:rPr lang="en-US" altLang="ko-KR" sz="2000" dirty="0">
+                <a:solidFill>
+                  <a:schemeClr val="bg1"/>
+                </a:solidFill>
+                <a:latin typeface="한컴 윤고딕 240" panose="02020603020101020101" pitchFamily="18" charset="-127"/>
+                <a:ea typeface="한컴 윤고딕 240" panose="02020603020101020101" pitchFamily="18" charset="-127"/>
+              </a:rPr>
+              <a:t>‘Dead by Deadlight’ </a:t>
+            </a:r>
+            <a:r>
+              <a:rPr lang="ko-KR" altLang="en-US" sz="2000" dirty="0">
+                <a:solidFill>
+                  <a:schemeClr val="bg1"/>
+                </a:solidFill>
+                <a:latin typeface="한컴 윤고딕 240" panose="02020603020101020101" pitchFamily="18" charset="-127"/>
+                <a:ea typeface="한컴 윤고딕 240" panose="02020603020101020101" pitchFamily="18" charset="-127"/>
+              </a:rPr>
+              <a:t>에서의 기존 플레이 방식을 따왔지만</a:t>
+            </a:r>
+            <a:r>
+              <a:rPr lang="en-US" altLang="ko-KR" sz="2000" dirty="0">
+                <a:solidFill>
+                  <a:schemeClr val="bg1"/>
+                </a:solidFill>
+                <a:latin typeface="한컴 윤고딕 240" panose="02020603020101020101" pitchFamily="18" charset="-127"/>
+                <a:ea typeface="한컴 윤고딕 240" panose="02020603020101020101" pitchFamily="18" charset="-127"/>
+              </a:rPr>
+              <a:t> </a:t>
+            </a:r>
+            <a:r>
+              <a:rPr lang="ko-KR" altLang="en-US" sz="2000" dirty="0">
+                <a:solidFill>
+                  <a:schemeClr val="bg1"/>
+                </a:solidFill>
+                <a:latin typeface="한컴 윤고딕 240" panose="02020603020101020101" pitchFamily="18" charset="-127"/>
+                <a:ea typeface="한컴 윤고딕 240" panose="02020603020101020101" pitchFamily="18" charset="-127"/>
+              </a:rPr>
+              <a:t>차별점으로</a:t>
+            </a:r>
+            <a:r>
+              <a:rPr lang="en-US" altLang="ko-KR" sz="2000" dirty="0">
+                <a:solidFill>
+                  <a:schemeClr val="bg1"/>
+                </a:solidFill>
+                <a:latin typeface="한컴 윤고딕 240" panose="02020603020101020101" pitchFamily="18" charset="-127"/>
+                <a:ea typeface="한컴 윤고딕 240" panose="02020603020101020101" pitchFamily="18" charset="-127"/>
+              </a:rPr>
+              <a:t>,</a:t>
+            </a:r>
+          </a:p>
+          <a:p>
+            <a:pPr marL="457200" indent="-457200">
+              <a:buAutoNum type="arabicPeriod"/>
+            </a:pPr>
+            <a:r>
+              <a:rPr lang="ko-KR" altLang="en-US" sz="2000" dirty="0">
+                <a:solidFill>
+                  <a:schemeClr val="bg1"/>
+                </a:solidFill>
+                <a:latin typeface="한컴 윤고딕 240" panose="02020603020101020101" pitchFamily="18" charset="-127"/>
+                <a:ea typeface="한컴 윤고딕 240" panose="02020603020101020101" pitchFamily="18" charset="-127"/>
+              </a:rPr>
+              <a:t>공포스러운 분위기를 </a:t>
+            </a:r>
+            <a:r>
+              <a:rPr lang="ko-KR" altLang="en-US" sz="2000" dirty="0" err="1">
+                <a:solidFill>
+                  <a:schemeClr val="bg1"/>
+                </a:solidFill>
+                <a:latin typeface="한컴 윤고딕 240" panose="02020603020101020101" pitchFamily="18" charset="-127"/>
+                <a:ea typeface="한컴 윤고딕 240" panose="02020603020101020101" pitchFamily="18" charset="-127"/>
+              </a:rPr>
+              <a:t>캐쥬얼</a:t>
+            </a:r>
+            <a:r>
+              <a:rPr lang="ko-KR" altLang="en-US" sz="2000" dirty="0">
+                <a:solidFill>
+                  <a:schemeClr val="bg1"/>
+                </a:solidFill>
+                <a:latin typeface="한컴 윤고딕 240" panose="02020603020101020101" pitchFamily="18" charset="-127"/>
+                <a:ea typeface="한컴 윤고딕 240" panose="02020603020101020101" pitchFamily="18" charset="-127"/>
+              </a:rPr>
+              <a:t> 하게 바꾼다</a:t>
+            </a:r>
+            <a:endParaRPr lang="en-US" altLang="ko-KR" sz="2000" dirty="0">
+              <a:solidFill>
+                <a:schemeClr val="bg1"/>
+              </a:solidFill>
+              <a:latin typeface="한컴 윤고딕 240" panose="02020603020101020101" pitchFamily="18" charset="-127"/>
+              <a:ea typeface="한컴 윤고딕 240" panose="02020603020101020101" pitchFamily="18" charset="-127"/>
+            </a:endParaRPr>
+          </a:p>
+          <a:p>
+            <a:pPr marL="457200" indent="-457200">
+              <a:buAutoNum type="arabicPeriod"/>
+            </a:pPr>
+            <a:r>
+              <a:rPr lang="ko-KR" altLang="en-US" sz="2000" dirty="0">
+                <a:solidFill>
+                  <a:schemeClr val="bg1"/>
+                </a:solidFill>
+                <a:latin typeface="한컴 윤고딕 240" panose="02020603020101020101" pitchFamily="18" charset="-127"/>
+                <a:ea typeface="한컴 윤고딕 240" panose="02020603020101020101" pitchFamily="18" charset="-127"/>
+              </a:rPr>
+              <a:t>보스플레이어만 공격 하는 것이 아닌 일반플레이어도 공격이 가능하게 한다</a:t>
+            </a:r>
+            <a:endParaRPr lang="en-US" altLang="ko-KR" sz="2000" dirty="0">
+              <a:solidFill>
+                <a:schemeClr val="bg1"/>
+              </a:solidFill>
+              <a:latin typeface="한컴 윤고딕 240" panose="02020603020101020101" pitchFamily="18" charset="-127"/>
+              <a:ea typeface="한컴 윤고딕 240" panose="02020603020101020101" pitchFamily="18" charset="-127"/>
+            </a:endParaRPr>
+          </a:p>
+          <a:p>
+            <a:pPr marL="457200" indent="-457200">
+              <a:buAutoNum type="arabicPeriod"/>
+            </a:pPr>
+            <a:r>
+              <a:rPr lang="ko-KR" altLang="en-US" sz="2000" dirty="0">
+                <a:solidFill>
+                  <a:schemeClr val="bg1"/>
+                </a:solidFill>
+                <a:latin typeface="한컴 윤고딕 240" panose="02020603020101020101" pitchFamily="18" charset="-127"/>
+                <a:ea typeface="한컴 윤고딕 240" panose="02020603020101020101" pitchFamily="18" charset="-127"/>
+              </a:rPr>
+              <a:t>일반플레이어는 </a:t>
+            </a:r>
+            <a:r>
+              <a:rPr lang="ko-KR" altLang="en-US" sz="2000" dirty="0" err="1">
+                <a:solidFill>
+                  <a:schemeClr val="bg1"/>
+                </a:solidFill>
+                <a:latin typeface="한컴 윤고딕 240" panose="02020603020101020101" pitchFamily="18" charset="-127"/>
+                <a:ea typeface="한컴 윤고딕 240" panose="02020603020101020101" pitchFamily="18" charset="-127"/>
+              </a:rPr>
+              <a:t>파밍을</a:t>
+            </a:r>
+            <a:r>
+              <a:rPr lang="ko-KR" altLang="en-US" sz="2000" dirty="0">
+                <a:solidFill>
+                  <a:schemeClr val="bg1"/>
+                </a:solidFill>
+                <a:latin typeface="한컴 윤고딕 240" panose="02020603020101020101" pitchFamily="18" charset="-127"/>
+                <a:ea typeface="한컴 윤고딕 240" panose="02020603020101020101" pitchFamily="18" charset="-127"/>
+              </a:rPr>
+              <a:t> 통해 능력치를 끌어올리게 한다</a:t>
+            </a:r>
+            <a:endParaRPr lang="en-US" altLang="ko-KR" sz="2000" dirty="0">
+              <a:solidFill>
+                <a:schemeClr val="bg1"/>
+              </a:solidFill>
+              <a:latin typeface="한컴 윤고딕 240" panose="02020603020101020101" pitchFamily="18" charset="-127"/>
+              <a:ea typeface="한컴 윤고딕 240" panose="02020603020101020101" pitchFamily="18" charset="-127"/>
+            </a:endParaRPr>
+          </a:p>
+        </p:txBody>
+      </p:sp>
       <p:pic>
         <p:nvPicPr>
           <p:cNvPr id="4" name="그림 3">
@@ -12176,14 +11942,262 @@
         </p:blipFill>
         <p:spPr>
           <a:xfrm>
-            <a:off x="3338952" y="1648425"/>
+            <a:off x="3407411" y="1698759"/>
             <a:ext cx="5715539" cy="3214992"/>
           </a:xfrm>
           <a:prstGeom prst="rect">
             <a:avLst/>
           </a:prstGeom>
+          <a:ln w="38100" cap="sq">
+            <a:solidFill>
+              <a:srgbClr val="000000"/>
+            </a:solidFill>
+            <a:prstDash val="solid"/>
+            <a:miter lim="800000"/>
+          </a:ln>
+          <a:effectLst>
+            <a:outerShdw blurRad="50800" dist="38100" dir="2700000" algn="tl" rotWithShape="0">
+              <a:srgbClr val="000000">
+                <a:alpha val="43000"/>
+              </a:srgbClr>
+            </a:outerShdw>
+          </a:effectLst>
         </p:spPr>
       </p:pic>
+      <p:grpSp>
+        <p:nvGrpSpPr>
+          <p:cNvPr id="21" name="그룹 20">
+            <a:extLst>
+              <a:ext uri="{FF2B5EF4-FFF2-40B4-BE49-F238E27FC236}">
+                <a16:creationId xmlns:a16="http://schemas.microsoft.com/office/drawing/2014/main" id="{66F1702C-8130-4AEC-A316-B5D3ABD61AA2}"/>
+              </a:ext>
+            </a:extLst>
+          </p:cNvPr>
+          <p:cNvGrpSpPr/>
+          <p:nvPr/>
+        </p:nvGrpSpPr>
+        <p:grpSpPr>
+          <a:xfrm>
+            <a:off x="2201545" y="1168399"/>
+            <a:ext cx="3785299" cy="46182"/>
+            <a:chOff x="1864135" y="725053"/>
+            <a:chExt cx="3785299" cy="46182"/>
+          </a:xfrm>
+        </p:grpSpPr>
+        <p:sp>
+          <p:nvSpPr>
+            <p:cNvPr id="24" name="타원 23">
+              <a:extLst>
+                <a:ext uri="{FF2B5EF4-FFF2-40B4-BE49-F238E27FC236}">
+                  <a16:creationId xmlns:a16="http://schemas.microsoft.com/office/drawing/2014/main" id="{3C312FE0-F7C8-411D-ACEC-A5ABFE0BFFE2}"/>
+                </a:ext>
+              </a:extLst>
+            </p:cNvPr>
+            <p:cNvSpPr/>
+            <p:nvPr/>
+          </p:nvSpPr>
+          <p:spPr>
+            <a:xfrm>
+              <a:off x="5603252" y="725053"/>
+              <a:ext cx="46182" cy="46182"/>
+            </a:xfrm>
+            <a:prstGeom prst="ellipse">
+              <a:avLst/>
+            </a:prstGeom>
+            <a:solidFill>
+              <a:schemeClr val="bg1"/>
+            </a:solidFill>
+            <a:ln>
+              <a:noFill/>
+            </a:ln>
+          </p:spPr>
+          <p:style>
+            <a:lnRef idx="2">
+              <a:schemeClr val="accent1">
+                <a:shade val="50000"/>
+              </a:schemeClr>
+            </a:lnRef>
+            <a:fillRef idx="1">
+              <a:schemeClr val="accent1"/>
+            </a:fillRef>
+            <a:effectRef idx="0">
+              <a:schemeClr val="accent1"/>
+            </a:effectRef>
+            <a:fontRef idx="minor">
+              <a:schemeClr val="lt1"/>
+            </a:fontRef>
+          </p:style>
+          <p:txBody>
+            <a:bodyPr rtlCol="0" anchor="ctr"/>
+            <a:lstStyle/>
+            <a:p>
+              <a:pPr algn="ctr"/>
+              <a:endParaRPr lang="en-US" dirty="0"/>
+            </a:p>
+          </p:txBody>
+        </p:sp>
+        <p:sp>
+          <p:nvSpPr>
+            <p:cNvPr id="27" name="타원 26">
+              <a:extLst>
+                <a:ext uri="{FF2B5EF4-FFF2-40B4-BE49-F238E27FC236}">
+                  <a16:creationId xmlns:a16="http://schemas.microsoft.com/office/drawing/2014/main" id="{840E4E8A-C80C-43F6-9504-D19D7F52ED4B}"/>
+                </a:ext>
+              </a:extLst>
+            </p:cNvPr>
+            <p:cNvSpPr/>
+            <p:nvPr/>
+          </p:nvSpPr>
+          <p:spPr>
+            <a:xfrm>
+              <a:off x="5483179" y="725053"/>
+              <a:ext cx="46182" cy="46182"/>
+            </a:xfrm>
+            <a:prstGeom prst="ellipse">
+              <a:avLst/>
+            </a:prstGeom>
+            <a:solidFill>
+              <a:schemeClr val="bg1"/>
+            </a:solidFill>
+            <a:ln>
+              <a:noFill/>
+            </a:ln>
+          </p:spPr>
+          <p:style>
+            <a:lnRef idx="2">
+              <a:schemeClr val="accent1">
+                <a:shade val="50000"/>
+              </a:schemeClr>
+            </a:lnRef>
+            <a:fillRef idx="1">
+              <a:schemeClr val="accent1"/>
+            </a:fillRef>
+            <a:effectRef idx="0">
+              <a:schemeClr val="accent1"/>
+            </a:effectRef>
+            <a:fontRef idx="minor">
+              <a:schemeClr val="lt1"/>
+            </a:fontRef>
+          </p:style>
+          <p:txBody>
+            <a:bodyPr rtlCol="0" anchor="ctr"/>
+            <a:lstStyle/>
+            <a:p>
+              <a:pPr algn="ctr"/>
+              <a:endParaRPr lang="en-US" dirty="0"/>
+            </a:p>
+          </p:txBody>
+        </p:sp>
+        <p:sp>
+          <p:nvSpPr>
+            <p:cNvPr id="28" name="타원 27">
+              <a:extLst>
+                <a:ext uri="{FF2B5EF4-FFF2-40B4-BE49-F238E27FC236}">
+                  <a16:creationId xmlns:a16="http://schemas.microsoft.com/office/drawing/2014/main" id="{8F0FCDCD-1197-4E0A-9B0E-FAE00DF5AA0F}"/>
+                </a:ext>
+              </a:extLst>
+            </p:cNvPr>
+            <p:cNvSpPr/>
+            <p:nvPr/>
+          </p:nvSpPr>
+          <p:spPr>
+            <a:xfrm>
+              <a:off x="5363106" y="725053"/>
+              <a:ext cx="46182" cy="46182"/>
+            </a:xfrm>
+            <a:prstGeom prst="ellipse">
+              <a:avLst/>
+            </a:prstGeom>
+            <a:solidFill>
+              <a:schemeClr val="bg1"/>
+            </a:solidFill>
+            <a:ln>
+              <a:noFill/>
+            </a:ln>
+          </p:spPr>
+          <p:style>
+            <a:lnRef idx="2">
+              <a:schemeClr val="accent1">
+                <a:shade val="50000"/>
+              </a:schemeClr>
+            </a:lnRef>
+            <a:fillRef idx="1">
+              <a:schemeClr val="accent1"/>
+            </a:fillRef>
+            <a:effectRef idx="0">
+              <a:schemeClr val="accent1"/>
+            </a:effectRef>
+            <a:fontRef idx="minor">
+              <a:schemeClr val="lt1"/>
+            </a:fontRef>
+          </p:style>
+          <p:txBody>
+            <a:bodyPr rtlCol="0" anchor="ctr"/>
+            <a:lstStyle/>
+            <a:p>
+              <a:pPr algn="ctr"/>
+              <a:endParaRPr lang="en-US" dirty="0"/>
+            </a:p>
+          </p:txBody>
+        </p:sp>
+        <p:cxnSp>
+          <p:nvCxnSpPr>
+            <p:cNvPr id="29" name="직선 연결선 28">
+              <a:extLst>
+                <a:ext uri="{FF2B5EF4-FFF2-40B4-BE49-F238E27FC236}">
+                  <a16:creationId xmlns:a16="http://schemas.microsoft.com/office/drawing/2014/main" id="{CE201656-7D8A-4969-9D07-9A31FB0FACFA}"/>
+                </a:ext>
+              </a:extLst>
+            </p:cNvPr>
+            <p:cNvCxnSpPr>
+              <a:cxnSpLocks/>
+            </p:cNvCxnSpPr>
+            <p:nvPr/>
+          </p:nvCxnSpPr>
+          <p:spPr>
+            <a:xfrm flipH="1">
+              <a:off x="1864135" y="734289"/>
+              <a:ext cx="3398982" cy="0"/>
+            </a:xfrm>
+            <a:prstGeom prst="line">
+              <a:avLst/>
+            </a:prstGeom>
+            <a:ln w="44450" cap="rnd">
+              <a:gradFill flip="none" rotWithShape="1">
+                <a:gsLst>
+                  <a:gs pos="100000">
+                    <a:schemeClr val="accent1">
+                      <a:lumMod val="5000"/>
+                      <a:lumOff val="95000"/>
+                      <a:alpha val="0"/>
+                    </a:schemeClr>
+                  </a:gs>
+                  <a:gs pos="0">
+                    <a:schemeClr val="bg1"/>
+                  </a:gs>
+                </a:gsLst>
+                <a:lin ang="0" scaled="1"/>
+                <a:tileRect/>
+              </a:gradFill>
+              <a:round/>
+            </a:ln>
+          </p:spPr>
+          <p:style>
+            <a:lnRef idx="1">
+              <a:schemeClr val="accent1"/>
+            </a:lnRef>
+            <a:fillRef idx="0">
+              <a:schemeClr val="accent1"/>
+            </a:fillRef>
+            <a:effectRef idx="0">
+              <a:schemeClr val="accent1"/>
+            </a:effectRef>
+            <a:fontRef idx="minor">
+              <a:schemeClr val="tx1"/>
+            </a:fontRef>
+          </p:style>
+        </p:cxnSp>
+      </p:grpSp>
     </p:spTree>
     <p:extLst>
       <p:ext uri="{BB962C8B-B14F-4D97-AF65-F5344CB8AC3E}">
@@ -12398,7 +12412,7 @@
         <p:spPr>
           <a:xfrm>
             <a:off x="1798071" y="1560960"/>
-            <a:ext cx="8935085" cy="5064760"/>
+            <a:ext cx="9648491" cy="5064760"/>
           </a:xfrm>
           <a:prstGeom prst="rect">
             <a:avLst/>
@@ -12437,12 +12451,379 @@
           </a:p>
         </p:txBody>
       </p:sp>
+      <p:pic>
+        <p:nvPicPr>
+          <p:cNvPr id="4" name="그림 3">
+            <a:extLst>
+              <a:ext uri="{FF2B5EF4-FFF2-40B4-BE49-F238E27FC236}">
+                <a16:creationId xmlns:a16="http://schemas.microsoft.com/office/drawing/2014/main" id="{AF403EA6-C0A2-4A9A-97F3-D177E5CB61AD}"/>
+              </a:ext>
+            </a:extLst>
+          </p:cNvPr>
+          <p:cNvPicPr>
+            <a:picLocks noChangeAspect="1"/>
+          </p:cNvPicPr>
+          <p:nvPr/>
+        </p:nvPicPr>
+        <p:blipFill>
+          <a:blip r:embed="rId2" cstate="print">
+            <a:extLst>
+              <a:ext uri="{28A0092B-C50C-407E-A947-70E740481C1C}">
+                <a14:useLocalDpi xmlns:a14="http://schemas.microsoft.com/office/drawing/2010/main" val="0"/>
+              </a:ext>
+            </a:extLst>
+          </a:blip>
+          <a:stretch>
+            <a:fillRect/>
+          </a:stretch>
+        </p:blipFill>
+        <p:spPr>
+          <a:xfrm>
+            <a:off x="3133622" y="1684578"/>
+            <a:ext cx="3741056" cy="2104345"/>
+          </a:xfrm>
+          <a:prstGeom prst="rect">
+            <a:avLst/>
+          </a:prstGeom>
+          <a:ln>
+            <a:noFill/>
+          </a:ln>
+          <a:effectLst>
+            <a:softEdge rad="112500"/>
+          </a:effectLst>
+        </p:spPr>
+      </p:pic>
+      <p:pic>
+        <p:nvPicPr>
+          <p:cNvPr id="6" name="그림 5">
+            <a:extLst>
+              <a:ext uri="{FF2B5EF4-FFF2-40B4-BE49-F238E27FC236}">
+                <a16:creationId xmlns:a16="http://schemas.microsoft.com/office/drawing/2014/main" id="{F0CB62B3-21DC-48BC-8B7C-3CB33D36E43B}"/>
+              </a:ext>
+            </a:extLst>
+          </p:cNvPr>
+          <p:cNvPicPr>
+            <a:picLocks noChangeAspect="1"/>
+          </p:cNvPicPr>
+          <p:nvPr/>
+        </p:nvPicPr>
+        <p:blipFill rotWithShape="1">
+          <a:blip r:embed="rId3">
+            <a:extLst>
+              <a:ext uri="{28A0092B-C50C-407E-A947-70E740481C1C}">
+                <a14:useLocalDpi xmlns:a14="http://schemas.microsoft.com/office/drawing/2010/main" val="0"/>
+              </a:ext>
+            </a:extLst>
+          </a:blip>
+          <a:srcRect l="12559" r="2249"/>
+          <a:stretch/>
+        </p:blipFill>
+        <p:spPr>
+          <a:xfrm>
+            <a:off x="7503497" y="1643354"/>
+            <a:ext cx="3571492" cy="2149850"/>
+          </a:xfrm>
+          <a:prstGeom prst="rect">
+            <a:avLst/>
+          </a:prstGeom>
+          <a:ln>
+            <a:noFill/>
+          </a:ln>
+          <a:effectLst>
+            <a:softEdge rad="112500"/>
+          </a:effectLst>
+        </p:spPr>
+      </p:pic>
+      <p:pic>
+        <p:nvPicPr>
+          <p:cNvPr id="9" name="그림 8">
+            <a:extLst>
+              <a:ext uri="{FF2B5EF4-FFF2-40B4-BE49-F238E27FC236}">
+                <a16:creationId xmlns:a16="http://schemas.microsoft.com/office/drawing/2014/main" id="{1D408A1A-0C60-42E6-9462-5EAC6DB565E0}"/>
+              </a:ext>
+            </a:extLst>
+          </p:cNvPr>
+          <p:cNvPicPr>
+            <a:picLocks noChangeAspect="1"/>
+          </p:cNvPicPr>
+          <p:nvPr/>
+        </p:nvPicPr>
+        <p:blipFill>
+          <a:blip r:embed="rId4">
+            <a:extLst>
+              <a:ext uri="{28A0092B-C50C-407E-A947-70E740481C1C}">
+                <a14:useLocalDpi xmlns:a14="http://schemas.microsoft.com/office/drawing/2010/main" val="0"/>
+              </a:ext>
+            </a:extLst>
+          </a:blip>
+          <a:stretch>
+            <a:fillRect/>
+          </a:stretch>
+        </p:blipFill>
+        <p:spPr>
+          <a:xfrm>
+            <a:off x="7522231" y="4176528"/>
+            <a:ext cx="3571492" cy="2382580"/>
+          </a:xfrm>
+          <a:prstGeom prst="rect">
+            <a:avLst/>
+          </a:prstGeom>
+          <a:ln>
+            <a:noFill/>
+          </a:ln>
+          <a:effectLst>
+            <a:softEdge rad="112500"/>
+          </a:effectLst>
+        </p:spPr>
+      </p:pic>
+      <p:sp>
+        <p:nvSpPr>
+          <p:cNvPr id="10" name="직사각형 9">
+            <a:extLst>
+              <a:ext uri="{FF2B5EF4-FFF2-40B4-BE49-F238E27FC236}">
+                <a16:creationId xmlns:a16="http://schemas.microsoft.com/office/drawing/2014/main" id="{32EBADA5-597B-4E29-BE81-6C9D72EB1200}"/>
+              </a:ext>
+            </a:extLst>
+          </p:cNvPr>
+          <p:cNvSpPr/>
+          <p:nvPr/>
+        </p:nvSpPr>
+        <p:spPr>
+          <a:xfrm>
+            <a:off x="2400127" y="4079071"/>
+            <a:ext cx="6096000" cy="2246769"/>
+          </a:xfrm>
+          <a:prstGeom prst="rect">
+            <a:avLst/>
+          </a:prstGeom>
+        </p:spPr>
+        <p:txBody>
+          <a:bodyPr>
+            <a:spAutoFit/>
+          </a:bodyPr>
+          <a:lstStyle/>
+          <a:p>
+            <a:r>
+              <a:rPr lang="ko-KR" altLang="en-US" sz="2000" dirty="0">
+                <a:solidFill>
+                  <a:schemeClr val="bg1"/>
+                </a:solidFill>
+                <a:latin typeface="한컴 윤고딕 240" panose="02020603020101020101" pitchFamily="18" charset="-127"/>
+                <a:ea typeface="한컴 윤고딕 240" panose="02020603020101020101" pitchFamily="18" charset="-127"/>
+              </a:rPr>
+              <a:t>즉</a:t>
+            </a:r>
+            <a:r>
+              <a:rPr lang="en-US" altLang="ko-KR" sz="2000" dirty="0">
+                <a:solidFill>
+                  <a:schemeClr val="bg1"/>
+                </a:solidFill>
+                <a:latin typeface="한컴 윤고딕 240" panose="02020603020101020101" pitchFamily="18" charset="-127"/>
+                <a:ea typeface="한컴 윤고딕 240" panose="02020603020101020101" pitchFamily="18" charset="-127"/>
+              </a:rPr>
+              <a:t>, ‘Dead by Deadlight’ </a:t>
+            </a:r>
+            <a:r>
+              <a:rPr lang="ko-KR" altLang="en-US" sz="2000" dirty="0">
+                <a:solidFill>
+                  <a:schemeClr val="bg1"/>
+                </a:solidFill>
+                <a:latin typeface="한컴 윤고딕 240" panose="02020603020101020101" pitchFamily="18" charset="-127"/>
+                <a:ea typeface="한컴 윤고딕 240" panose="02020603020101020101" pitchFamily="18" charset="-127"/>
+              </a:rPr>
+              <a:t>에서의 </a:t>
+            </a:r>
+            <a:endParaRPr lang="en-US" altLang="ko-KR" sz="2000" dirty="0">
+              <a:solidFill>
+                <a:schemeClr val="bg1"/>
+              </a:solidFill>
+              <a:latin typeface="한컴 윤고딕 240" panose="02020603020101020101" pitchFamily="18" charset="-127"/>
+              <a:ea typeface="한컴 윤고딕 240" panose="02020603020101020101" pitchFamily="18" charset="-127"/>
+            </a:endParaRPr>
+          </a:p>
+          <a:p>
+            <a:r>
+              <a:rPr lang="ko-KR" altLang="en-US" sz="2000" dirty="0">
+                <a:solidFill>
+                  <a:schemeClr val="bg1"/>
+                </a:solidFill>
+                <a:latin typeface="한컴 윤고딕 240" panose="02020603020101020101" pitchFamily="18" charset="-127"/>
+                <a:ea typeface="한컴 윤고딕 240" panose="02020603020101020101" pitchFamily="18" charset="-127"/>
+              </a:rPr>
+              <a:t>기존 플레이 방식을 따르며</a:t>
+            </a:r>
+            <a:endParaRPr lang="en-US" altLang="ko-KR" sz="2000" dirty="0">
+              <a:solidFill>
+                <a:schemeClr val="bg1"/>
+              </a:solidFill>
+              <a:latin typeface="한컴 윤고딕 240" panose="02020603020101020101" pitchFamily="18" charset="-127"/>
+              <a:ea typeface="한컴 윤고딕 240" panose="02020603020101020101" pitchFamily="18" charset="-127"/>
+            </a:endParaRPr>
+          </a:p>
+          <a:p>
+            <a:endParaRPr lang="en-US" altLang="ko-KR" sz="2000" dirty="0">
+              <a:solidFill>
+                <a:schemeClr val="bg1"/>
+              </a:solidFill>
+              <a:latin typeface="한컴 윤고딕 240" panose="02020603020101020101" pitchFamily="18" charset="-127"/>
+              <a:ea typeface="한컴 윤고딕 240" panose="02020603020101020101" pitchFamily="18" charset="-127"/>
+            </a:endParaRPr>
+          </a:p>
+          <a:p>
+            <a:r>
+              <a:rPr lang="en-US" altLang="ko-KR" sz="2000" dirty="0">
+                <a:solidFill>
+                  <a:schemeClr val="bg1"/>
+                </a:solidFill>
+                <a:latin typeface="한컴 윤고딕 240" panose="02020603020101020101" pitchFamily="18" charset="-127"/>
+                <a:ea typeface="한컴 윤고딕 240" panose="02020603020101020101" pitchFamily="18" charset="-127"/>
+              </a:rPr>
+              <a:t>‘Battleground’</a:t>
+            </a:r>
+            <a:r>
+              <a:rPr lang="ko-KR" altLang="en-US" sz="2000" dirty="0">
+                <a:solidFill>
+                  <a:schemeClr val="bg1"/>
+                </a:solidFill>
+                <a:latin typeface="한컴 윤고딕 240" panose="02020603020101020101" pitchFamily="18" charset="-127"/>
+                <a:ea typeface="한컴 윤고딕 240" panose="02020603020101020101" pitchFamily="18" charset="-127"/>
+              </a:rPr>
+              <a:t>의 </a:t>
+            </a:r>
+            <a:r>
+              <a:rPr lang="ko-KR" altLang="en-US" sz="2000" dirty="0" err="1">
+                <a:solidFill>
+                  <a:schemeClr val="bg1"/>
+                </a:solidFill>
+                <a:latin typeface="한컴 윤고딕 240" panose="02020603020101020101" pitchFamily="18" charset="-127"/>
+                <a:ea typeface="한컴 윤고딕 240" panose="02020603020101020101" pitchFamily="18" charset="-127"/>
+              </a:rPr>
+              <a:t>파밍</a:t>
+            </a:r>
+            <a:r>
+              <a:rPr lang="ko-KR" altLang="en-US" sz="2000" dirty="0">
+                <a:solidFill>
+                  <a:schemeClr val="bg1"/>
+                </a:solidFill>
+                <a:latin typeface="한컴 윤고딕 240" panose="02020603020101020101" pitchFamily="18" charset="-127"/>
+                <a:ea typeface="한컴 윤고딕 240" panose="02020603020101020101" pitchFamily="18" charset="-127"/>
+              </a:rPr>
+              <a:t> 요소를 접목 시켜</a:t>
+            </a:r>
+            <a:endParaRPr lang="en-US" altLang="ko-KR" sz="2000" dirty="0">
+              <a:solidFill>
+                <a:schemeClr val="bg1"/>
+              </a:solidFill>
+              <a:latin typeface="한컴 윤고딕 240" panose="02020603020101020101" pitchFamily="18" charset="-127"/>
+              <a:ea typeface="한컴 윤고딕 240" panose="02020603020101020101" pitchFamily="18" charset="-127"/>
+            </a:endParaRPr>
+          </a:p>
+          <a:p>
+            <a:endParaRPr lang="en-US" altLang="ko-KR" sz="2000" dirty="0">
+              <a:solidFill>
+                <a:schemeClr val="bg1"/>
+              </a:solidFill>
+              <a:latin typeface="한컴 윤고딕 240" panose="02020603020101020101" pitchFamily="18" charset="-127"/>
+              <a:ea typeface="한컴 윤고딕 240" panose="02020603020101020101" pitchFamily="18" charset="-127"/>
+            </a:endParaRPr>
+          </a:p>
+          <a:p>
+            <a:r>
+              <a:rPr lang="en-US" altLang="ko-KR" sz="2000" dirty="0">
+                <a:solidFill>
+                  <a:schemeClr val="bg1"/>
+                </a:solidFill>
+                <a:latin typeface="한컴 윤고딕 240" panose="02020603020101020101" pitchFamily="18" charset="-127"/>
+                <a:ea typeface="한컴 윤고딕 240" panose="02020603020101020101" pitchFamily="18" charset="-127"/>
+              </a:rPr>
+              <a:t>‘</a:t>
+            </a:r>
+            <a:r>
+              <a:rPr lang="en-US" altLang="ko-KR" sz="2000" dirty="0" err="1">
+                <a:solidFill>
+                  <a:schemeClr val="bg1"/>
+                </a:solidFill>
+                <a:latin typeface="한컴 윤고딕 240" panose="02020603020101020101" pitchFamily="18" charset="-127"/>
+                <a:ea typeface="한컴 윤고딕 240" panose="02020603020101020101" pitchFamily="18" charset="-127"/>
+              </a:rPr>
+              <a:t>Overwatch</a:t>
+            </a:r>
+            <a:r>
+              <a:rPr lang="en-US" altLang="ko-KR" sz="2000" dirty="0">
+                <a:solidFill>
+                  <a:schemeClr val="bg1"/>
+                </a:solidFill>
+                <a:latin typeface="한컴 윤고딕 240" panose="02020603020101020101" pitchFamily="18" charset="-127"/>
+                <a:ea typeface="한컴 윤고딕 240" panose="02020603020101020101" pitchFamily="18" charset="-127"/>
+              </a:rPr>
+              <a:t>’</a:t>
+            </a:r>
+            <a:r>
+              <a:rPr lang="ko-KR" altLang="en-US" sz="2000" dirty="0">
+                <a:solidFill>
+                  <a:schemeClr val="bg1"/>
+                </a:solidFill>
+                <a:latin typeface="한컴 윤고딕 240" panose="02020603020101020101" pitchFamily="18" charset="-127"/>
+                <a:ea typeface="한컴 윤고딕 240" panose="02020603020101020101" pitchFamily="18" charset="-127"/>
+              </a:rPr>
+              <a:t>같은 </a:t>
+            </a:r>
+            <a:r>
+              <a:rPr lang="ko-KR" altLang="en-US" sz="2000" dirty="0" err="1">
+                <a:solidFill>
+                  <a:schemeClr val="bg1"/>
+                </a:solidFill>
+                <a:latin typeface="한컴 윤고딕 240" panose="02020603020101020101" pitchFamily="18" charset="-127"/>
+                <a:ea typeface="한컴 윤고딕 240" panose="02020603020101020101" pitchFamily="18" charset="-127"/>
+              </a:rPr>
+              <a:t>캐쥬얼한</a:t>
+            </a:r>
+            <a:r>
+              <a:rPr lang="ko-KR" altLang="en-US" sz="2000" dirty="0">
+                <a:solidFill>
+                  <a:schemeClr val="bg1"/>
+                </a:solidFill>
+                <a:latin typeface="한컴 윤고딕 240" panose="02020603020101020101" pitchFamily="18" charset="-127"/>
+                <a:ea typeface="한컴 윤고딕 240" panose="02020603020101020101" pitchFamily="18" charset="-127"/>
+              </a:rPr>
+              <a:t> 그래픽의 게임을 </a:t>
+            </a:r>
+            <a:r>
+              <a:rPr lang="ko-KR" altLang="en-US" sz="2000" dirty="0" err="1">
+                <a:solidFill>
+                  <a:schemeClr val="bg1"/>
+                </a:solidFill>
+                <a:latin typeface="한컴 윤고딕 240" panose="02020603020101020101" pitchFamily="18" charset="-127"/>
+                <a:ea typeface="한컴 윤고딕 240" panose="02020603020101020101" pitchFamily="18" charset="-127"/>
+              </a:rPr>
+              <a:t>만드는것이</a:t>
+            </a:r>
+            <a:r>
+              <a:rPr lang="ko-KR" altLang="en-US" sz="2000" dirty="0">
+                <a:solidFill>
+                  <a:schemeClr val="bg1"/>
+                </a:solidFill>
+                <a:latin typeface="한컴 윤고딕 240" panose="02020603020101020101" pitchFamily="18" charset="-127"/>
+                <a:ea typeface="한컴 윤고딕 240" panose="02020603020101020101" pitchFamily="18" charset="-127"/>
+              </a:rPr>
+              <a:t> 목적</a:t>
+            </a:r>
+            <a:endParaRPr lang="en-US" altLang="ko-KR" sz="2000" dirty="0">
+              <a:solidFill>
+                <a:schemeClr val="bg1"/>
+              </a:solidFill>
+              <a:latin typeface="한컴 윤고딕 240" panose="02020603020101020101" pitchFamily="18" charset="-127"/>
+              <a:ea typeface="한컴 윤고딕 240" panose="02020603020101020101" pitchFamily="18" charset="-127"/>
+            </a:endParaRPr>
+          </a:p>
+        </p:txBody>
+      </p:sp>
       <p:grpSp>
         <p:nvGrpSpPr>
-          <p:cNvPr id="17" name="그룹 16">
+          <p:cNvPr id="15" name="그룹 14">
             <a:extLst>
               <a:ext uri="{FF2B5EF4-FFF2-40B4-BE49-F238E27FC236}">
-                <a16:creationId xmlns:a16="http://schemas.microsoft.com/office/drawing/2014/main" id="{4B882182-E2BC-4B44-A125-1510E4979AAE}"/>
+                <a16:creationId xmlns:a16="http://schemas.microsoft.com/office/drawing/2014/main" id="{CBC987D5-6368-4AC0-B612-40F570A8DD76}"/>
               </a:ext>
             </a:extLst>
           </p:cNvPr>
@@ -12451,7 +12832,7 @@
         </p:nvGrpSpPr>
         <p:grpSpPr>
           <a:xfrm>
-            <a:off x="2049145" y="1168399"/>
+            <a:off x="2400127" y="1168399"/>
             <a:ext cx="3785299" cy="46182"/>
             <a:chOff x="1864135" y="725053"/>
             <a:chExt cx="3785299" cy="46182"/>
@@ -12459,10 +12840,10 @@
         </p:grpSpPr>
         <p:sp>
           <p:nvSpPr>
-            <p:cNvPr id="22" name="타원 21">
+            <p:cNvPr id="18" name="타원 17">
               <a:extLst>
                 <a:ext uri="{FF2B5EF4-FFF2-40B4-BE49-F238E27FC236}">
-                  <a16:creationId xmlns:a16="http://schemas.microsoft.com/office/drawing/2014/main" id="{5A0D0C04-3765-459A-8787-6E2D1540B49D}"/>
+                  <a16:creationId xmlns:a16="http://schemas.microsoft.com/office/drawing/2014/main" id="{669B4C59-2705-4428-AC02-B46485D74117}"/>
                 </a:ext>
               </a:extLst>
             </p:cNvPr>
@@ -12511,10 +12892,10 @@
         </p:sp>
         <p:sp>
           <p:nvSpPr>
-            <p:cNvPr id="23" name="타원 22">
+            <p:cNvPr id="19" name="타원 18">
               <a:extLst>
                 <a:ext uri="{FF2B5EF4-FFF2-40B4-BE49-F238E27FC236}">
-                  <a16:creationId xmlns:a16="http://schemas.microsoft.com/office/drawing/2014/main" id="{E13B1C4C-E3B9-4B7F-8267-B2318ABFFF23}"/>
+                  <a16:creationId xmlns:a16="http://schemas.microsoft.com/office/drawing/2014/main" id="{91E6964A-8F0D-45F5-B1A7-24869A88F6D1}"/>
                 </a:ext>
               </a:extLst>
             </p:cNvPr>
@@ -12563,10 +12944,10 @@
         </p:sp>
         <p:sp>
           <p:nvSpPr>
-            <p:cNvPr id="25" name="타원 24">
+            <p:cNvPr id="20" name="타원 19">
               <a:extLst>
                 <a:ext uri="{FF2B5EF4-FFF2-40B4-BE49-F238E27FC236}">
-                  <a16:creationId xmlns:a16="http://schemas.microsoft.com/office/drawing/2014/main" id="{58F886E3-02D7-4A53-8DA3-79CC6272ECE4}"/>
+                  <a16:creationId xmlns:a16="http://schemas.microsoft.com/office/drawing/2014/main" id="{9DD6CCE5-777F-41D3-81EF-2FA26E58A381}"/>
                 </a:ext>
               </a:extLst>
             </p:cNvPr>
@@ -12615,10 +12996,10 @@
         </p:sp>
         <p:cxnSp>
           <p:nvCxnSpPr>
-            <p:cNvPr id="26" name="직선 연결선 25">
+            <p:cNvPr id="21" name="직선 연결선 20">
               <a:extLst>
                 <a:ext uri="{FF2B5EF4-FFF2-40B4-BE49-F238E27FC236}">
-                  <a16:creationId xmlns:a16="http://schemas.microsoft.com/office/drawing/2014/main" id="{33E49006-A4B4-4D58-A6BB-10853ED4C9C0}"/>
+                  <a16:creationId xmlns:a16="http://schemas.microsoft.com/office/drawing/2014/main" id="{B238CAD8-EF7E-4A61-B8E3-8BBDBC0C6FBE}"/>
                 </a:ext>
               </a:extLst>
             </p:cNvPr>
@@ -12671,355 +13052,6 @@
           </p:style>
         </p:cxnSp>
       </p:grpSp>
-      <p:pic>
-        <p:nvPicPr>
-          <p:cNvPr id="4" name="그림 3">
-            <a:extLst>
-              <a:ext uri="{FF2B5EF4-FFF2-40B4-BE49-F238E27FC236}">
-                <a16:creationId xmlns:a16="http://schemas.microsoft.com/office/drawing/2014/main" id="{AF403EA6-C0A2-4A9A-97F3-D177E5CB61AD}"/>
-              </a:ext>
-            </a:extLst>
-          </p:cNvPr>
-          <p:cNvPicPr>
-            <a:picLocks noChangeAspect="1"/>
-          </p:cNvPicPr>
-          <p:nvPr/>
-        </p:nvPicPr>
-        <p:blipFill>
-          <a:blip r:embed="rId2" cstate="print">
-            <a:extLst>
-              <a:ext uri="{28A0092B-C50C-407E-A947-70E740481C1C}">
-                <a14:useLocalDpi xmlns:a14="http://schemas.microsoft.com/office/drawing/2010/main" val="0"/>
-              </a:ext>
-            </a:extLst>
-          </a:blip>
-          <a:stretch>
-            <a:fillRect/>
-          </a:stretch>
-        </p:blipFill>
-        <p:spPr>
-          <a:xfrm>
-            <a:off x="2093388" y="1684578"/>
-            <a:ext cx="3741056" cy="2104345"/>
-          </a:xfrm>
-          <a:prstGeom prst="rect">
-            <a:avLst/>
-          </a:prstGeom>
-        </p:spPr>
-      </p:pic>
-      <p:pic>
-        <p:nvPicPr>
-          <p:cNvPr id="6" name="그림 5">
-            <a:extLst>
-              <a:ext uri="{FF2B5EF4-FFF2-40B4-BE49-F238E27FC236}">
-                <a16:creationId xmlns:a16="http://schemas.microsoft.com/office/drawing/2014/main" id="{F0CB62B3-21DC-48BC-8B7C-3CB33D36E43B}"/>
-              </a:ext>
-            </a:extLst>
-          </p:cNvPr>
-          <p:cNvPicPr>
-            <a:picLocks noChangeAspect="1"/>
-          </p:cNvPicPr>
-          <p:nvPr/>
-        </p:nvPicPr>
-        <p:blipFill rotWithShape="1">
-          <a:blip r:embed="rId3">
-            <a:extLst>
-              <a:ext uri="{28A0092B-C50C-407E-A947-70E740481C1C}">
-                <a14:useLocalDpi xmlns:a14="http://schemas.microsoft.com/office/drawing/2010/main" val="0"/>
-              </a:ext>
-            </a:extLst>
-          </a:blip>
-          <a:srcRect l="12559"/>
-          <a:stretch/>
-        </p:blipFill>
-        <p:spPr>
-          <a:xfrm>
-            <a:off x="7016935" y="1643354"/>
-            <a:ext cx="3665734" cy="2149850"/>
-          </a:xfrm>
-          <a:prstGeom prst="rect">
-            <a:avLst/>
-          </a:prstGeom>
-        </p:spPr>
-      </p:pic>
-      <p:pic>
-        <p:nvPicPr>
-          <p:cNvPr id="9" name="그림 8">
-            <a:extLst>
-              <a:ext uri="{FF2B5EF4-FFF2-40B4-BE49-F238E27FC236}">
-                <a16:creationId xmlns:a16="http://schemas.microsoft.com/office/drawing/2014/main" id="{1D408A1A-0C60-42E6-9462-5EAC6DB565E0}"/>
-              </a:ext>
-            </a:extLst>
-          </p:cNvPr>
-          <p:cNvPicPr>
-            <a:picLocks noChangeAspect="1"/>
-          </p:cNvPicPr>
-          <p:nvPr/>
-        </p:nvPicPr>
-        <p:blipFill>
-          <a:blip r:embed="rId4">
-            <a:extLst>
-              <a:ext uri="{28A0092B-C50C-407E-A947-70E740481C1C}">
-                <a14:useLocalDpi xmlns:a14="http://schemas.microsoft.com/office/drawing/2010/main" val="0"/>
-              </a:ext>
-            </a:extLst>
-          </a:blip>
-          <a:stretch>
-            <a:fillRect/>
-          </a:stretch>
-        </p:blipFill>
-        <p:spPr>
-          <a:xfrm>
-            <a:off x="7035669" y="4093340"/>
-            <a:ext cx="3571492" cy="2382580"/>
-          </a:xfrm>
-          <a:prstGeom prst="rect">
-            <a:avLst/>
-          </a:prstGeom>
-        </p:spPr>
-      </p:pic>
-      <p:sp>
-        <p:nvSpPr>
-          <p:cNvPr id="10" name="직사각형 9">
-            <a:extLst>
-              <a:ext uri="{FF2B5EF4-FFF2-40B4-BE49-F238E27FC236}">
-                <a16:creationId xmlns:a16="http://schemas.microsoft.com/office/drawing/2014/main" id="{32EBADA5-597B-4E29-BE81-6C9D72EB1200}"/>
-              </a:ext>
-            </a:extLst>
-          </p:cNvPr>
-          <p:cNvSpPr/>
-          <p:nvPr/>
-        </p:nvSpPr>
-        <p:spPr>
-          <a:xfrm>
-            <a:off x="2049145" y="3962113"/>
-            <a:ext cx="6096000" cy="2246769"/>
-          </a:xfrm>
-          <a:prstGeom prst="rect">
-            <a:avLst/>
-          </a:prstGeom>
-        </p:spPr>
-        <p:txBody>
-          <a:bodyPr>
-            <a:spAutoFit/>
-          </a:bodyPr>
-          <a:lstStyle/>
-          <a:p>
-            <a:r>
-              <a:rPr lang="ko-KR" altLang="en-US" sz="2000" dirty="0">
-                <a:solidFill>
-                  <a:schemeClr val="bg1"/>
-                </a:solidFill>
-                <a:latin typeface="한컴 윤고딕 240" panose="02020603020101020101" pitchFamily="18" charset="-127"/>
-                <a:ea typeface="한컴 윤고딕 240" panose="02020603020101020101" pitchFamily="18" charset="-127"/>
-              </a:rPr>
-              <a:t>즉</a:t>
-            </a:r>
-            <a:r>
-              <a:rPr lang="en-US" altLang="ko-KR" sz="2000" dirty="0">
-                <a:solidFill>
-                  <a:schemeClr val="bg1"/>
-                </a:solidFill>
-                <a:latin typeface="한컴 윤고딕 240" panose="02020603020101020101" pitchFamily="18" charset="-127"/>
-                <a:ea typeface="한컴 윤고딕 240" panose="02020603020101020101" pitchFamily="18" charset="-127"/>
-              </a:rPr>
-              <a:t>, ‘Dead by Deadlight’ </a:t>
-            </a:r>
-            <a:r>
-              <a:rPr lang="ko-KR" altLang="en-US" sz="2000" dirty="0">
-                <a:solidFill>
-                  <a:schemeClr val="bg1"/>
-                </a:solidFill>
-                <a:latin typeface="한컴 윤고딕 240" panose="02020603020101020101" pitchFamily="18" charset="-127"/>
-                <a:ea typeface="한컴 윤고딕 240" panose="02020603020101020101" pitchFamily="18" charset="-127"/>
-              </a:rPr>
-              <a:t>에서의 </a:t>
-            </a:r>
-            <a:endParaRPr lang="en-US" altLang="ko-KR" sz="2000" dirty="0">
-              <a:solidFill>
-                <a:schemeClr val="bg1"/>
-              </a:solidFill>
-              <a:latin typeface="한컴 윤고딕 240" panose="02020603020101020101" pitchFamily="18" charset="-127"/>
-              <a:ea typeface="한컴 윤고딕 240" panose="02020603020101020101" pitchFamily="18" charset="-127"/>
-            </a:endParaRPr>
-          </a:p>
-          <a:p>
-            <a:r>
-              <a:rPr lang="ko-KR" altLang="en-US" sz="2000" dirty="0">
-                <a:solidFill>
-                  <a:schemeClr val="bg1"/>
-                </a:solidFill>
-                <a:latin typeface="한컴 윤고딕 240" panose="02020603020101020101" pitchFamily="18" charset="-127"/>
-                <a:ea typeface="한컴 윤고딕 240" panose="02020603020101020101" pitchFamily="18" charset="-127"/>
-              </a:rPr>
-              <a:t>기존 플레이 방식을 따르며</a:t>
-            </a:r>
-            <a:endParaRPr lang="en-US" altLang="ko-KR" sz="2000" dirty="0">
-              <a:solidFill>
-                <a:schemeClr val="bg1"/>
-              </a:solidFill>
-              <a:latin typeface="한컴 윤고딕 240" panose="02020603020101020101" pitchFamily="18" charset="-127"/>
-              <a:ea typeface="한컴 윤고딕 240" panose="02020603020101020101" pitchFamily="18" charset="-127"/>
-            </a:endParaRPr>
-          </a:p>
-          <a:p>
-            <a:endParaRPr lang="en-US" altLang="ko-KR" sz="2000" dirty="0">
-              <a:solidFill>
-                <a:schemeClr val="bg1"/>
-              </a:solidFill>
-              <a:latin typeface="한컴 윤고딕 240" panose="02020603020101020101" pitchFamily="18" charset="-127"/>
-              <a:ea typeface="한컴 윤고딕 240" panose="02020603020101020101" pitchFamily="18" charset="-127"/>
-            </a:endParaRPr>
-          </a:p>
-          <a:p>
-            <a:r>
-              <a:rPr lang="en-US" altLang="ko-KR" sz="2000" dirty="0">
-                <a:solidFill>
-                  <a:schemeClr val="bg1"/>
-                </a:solidFill>
-                <a:latin typeface="한컴 윤고딕 240" panose="02020603020101020101" pitchFamily="18" charset="-127"/>
-                <a:ea typeface="한컴 윤고딕 240" panose="02020603020101020101" pitchFamily="18" charset="-127"/>
-              </a:rPr>
-              <a:t>‘Battleground’</a:t>
-            </a:r>
-            <a:r>
-              <a:rPr lang="ko-KR" altLang="en-US" sz="2000" dirty="0">
-                <a:solidFill>
-                  <a:schemeClr val="bg1"/>
-                </a:solidFill>
-                <a:latin typeface="한컴 윤고딕 240" panose="02020603020101020101" pitchFamily="18" charset="-127"/>
-                <a:ea typeface="한컴 윤고딕 240" panose="02020603020101020101" pitchFamily="18" charset="-127"/>
-              </a:rPr>
-              <a:t>의 </a:t>
-            </a:r>
-            <a:r>
-              <a:rPr lang="ko-KR" altLang="en-US" sz="2000" dirty="0" err="1">
-                <a:solidFill>
-                  <a:schemeClr val="bg1"/>
-                </a:solidFill>
-                <a:latin typeface="한컴 윤고딕 240" panose="02020603020101020101" pitchFamily="18" charset="-127"/>
-                <a:ea typeface="한컴 윤고딕 240" panose="02020603020101020101" pitchFamily="18" charset="-127"/>
-              </a:rPr>
-              <a:t>파밍</a:t>
-            </a:r>
-            <a:r>
-              <a:rPr lang="ko-KR" altLang="en-US" sz="2000" dirty="0">
-                <a:solidFill>
-                  <a:schemeClr val="bg1"/>
-                </a:solidFill>
-                <a:latin typeface="한컴 윤고딕 240" panose="02020603020101020101" pitchFamily="18" charset="-127"/>
-                <a:ea typeface="한컴 윤고딕 240" panose="02020603020101020101" pitchFamily="18" charset="-127"/>
-              </a:rPr>
-              <a:t> 요소를 접목 시켜</a:t>
-            </a:r>
-            <a:endParaRPr lang="en-US" altLang="ko-KR" sz="2000" dirty="0">
-              <a:solidFill>
-                <a:schemeClr val="bg1"/>
-              </a:solidFill>
-              <a:latin typeface="한컴 윤고딕 240" panose="02020603020101020101" pitchFamily="18" charset="-127"/>
-              <a:ea typeface="한컴 윤고딕 240" panose="02020603020101020101" pitchFamily="18" charset="-127"/>
-            </a:endParaRPr>
-          </a:p>
-          <a:p>
-            <a:endParaRPr lang="en-US" altLang="ko-KR" sz="2000" dirty="0">
-              <a:solidFill>
-                <a:schemeClr val="bg1"/>
-              </a:solidFill>
-              <a:latin typeface="한컴 윤고딕 240" panose="02020603020101020101" pitchFamily="18" charset="-127"/>
-              <a:ea typeface="한컴 윤고딕 240" panose="02020603020101020101" pitchFamily="18" charset="-127"/>
-            </a:endParaRPr>
-          </a:p>
-          <a:p>
-            <a:r>
-              <a:rPr lang="en-US" altLang="ko-KR" sz="2000" dirty="0">
-                <a:solidFill>
-                  <a:schemeClr val="bg1"/>
-                </a:solidFill>
-                <a:latin typeface="한컴 윤고딕 240" panose="02020603020101020101" pitchFamily="18" charset="-127"/>
-                <a:ea typeface="한컴 윤고딕 240" panose="02020603020101020101" pitchFamily="18" charset="-127"/>
-              </a:rPr>
-              <a:t>‘</a:t>
-            </a:r>
-            <a:r>
-              <a:rPr lang="en-US" altLang="ko-KR" sz="2000" dirty="0" err="1">
-                <a:solidFill>
-                  <a:schemeClr val="bg1"/>
-                </a:solidFill>
-                <a:latin typeface="한컴 윤고딕 240" panose="02020603020101020101" pitchFamily="18" charset="-127"/>
-                <a:ea typeface="한컴 윤고딕 240" panose="02020603020101020101" pitchFamily="18" charset="-127"/>
-              </a:rPr>
-              <a:t>Overwatch</a:t>
-            </a:r>
-            <a:r>
-              <a:rPr lang="en-US" altLang="ko-KR" sz="2000" dirty="0">
-                <a:solidFill>
-                  <a:schemeClr val="bg1"/>
-                </a:solidFill>
-                <a:latin typeface="한컴 윤고딕 240" panose="02020603020101020101" pitchFamily="18" charset="-127"/>
-                <a:ea typeface="한컴 윤고딕 240" panose="02020603020101020101" pitchFamily="18" charset="-127"/>
-              </a:rPr>
-              <a:t>’</a:t>
-            </a:r>
-            <a:r>
-              <a:rPr lang="ko-KR" altLang="en-US" sz="2000" dirty="0">
-                <a:solidFill>
-                  <a:schemeClr val="bg1"/>
-                </a:solidFill>
-                <a:latin typeface="한컴 윤고딕 240" panose="02020603020101020101" pitchFamily="18" charset="-127"/>
-                <a:ea typeface="한컴 윤고딕 240" panose="02020603020101020101" pitchFamily="18" charset="-127"/>
-              </a:rPr>
-              <a:t>같은 </a:t>
-            </a:r>
-            <a:r>
-              <a:rPr lang="ko-KR" altLang="en-US" sz="2000" dirty="0" err="1">
-                <a:solidFill>
-                  <a:schemeClr val="bg1"/>
-                </a:solidFill>
-                <a:latin typeface="한컴 윤고딕 240" panose="02020603020101020101" pitchFamily="18" charset="-127"/>
-                <a:ea typeface="한컴 윤고딕 240" panose="02020603020101020101" pitchFamily="18" charset="-127"/>
-              </a:rPr>
-              <a:t>캐쥬얼한</a:t>
-            </a:r>
-            <a:r>
-              <a:rPr lang="ko-KR" altLang="en-US" sz="2000" dirty="0">
-                <a:solidFill>
-                  <a:schemeClr val="bg1"/>
-                </a:solidFill>
-                <a:latin typeface="한컴 윤고딕 240" panose="02020603020101020101" pitchFamily="18" charset="-127"/>
-                <a:ea typeface="한컴 윤고딕 240" panose="02020603020101020101" pitchFamily="18" charset="-127"/>
-              </a:rPr>
-              <a:t> 그래픽의 게임을 </a:t>
-            </a:r>
-            <a:r>
-              <a:rPr lang="ko-KR" altLang="en-US" sz="2000" dirty="0" err="1">
-                <a:solidFill>
-                  <a:schemeClr val="bg1"/>
-                </a:solidFill>
-                <a:latin typeface="한컴 윤고딕 240" panose="02020603020101020101" pitchFamily="18" charset="-127"/>
-                <a:ea typeface="한컴 윤고딕 240" panose="02020603020101020101" pitchFamily="18" charset="-127"/>
-              </a:rPr>
-              <a:t>만드는것이</a:t>
-            </a:r>
-            <a:r>
-              <a:rPr lang="ko-KR" altLang="en-US" sz="2000" dirty="0">
-                <a:solidFill>
-                  <a:schemeClr val="bg1"/>
-                </a:solidFill>
-                <a:latin typeface="한컴 윤고딕 240" panose="02020603020101020101" pitchFamily="18" charset="-127"/>
-                <a:ea typeface="한컴 윤고딕 240" panose="02020603020101020101" pitchFamily="18" charset="-127"/>
-              </a:rPr>
-              <a:t> 목적</a:t>
-            </a:r>
-            <a:endParaRPr lang="en-US" altLang="ko-KR" sz="2000" dirty="0">
-              <a:solidFill>
-                <a:schemeClr val="bg1"/>
-              </a:solidFill>
-              <a:latin typeface="한컴 윤고딕 240" panose="02020603020101020101" pitchFamily="18" charset="-127"/>
-              <a:ea typeface="한컴 윤고딕 240" panose="02020603020101020101" pitchFamily="18" charset="-127"/>
-            </a:endParaRPr>
-          </a:p>
-        </p:txBody>
-      </p:sp>
     </p:spTree>
     <p:extLst>
       <p:ext uri="{BB962C8B-B14F-4D97-AF65-F5344CB8AC3E}">
@@ -13277,12 +13309,273 @@
           </a:p>
         </p:txBody>
       </p:sp>
+      <p:sp>
+        <p:nvSpPr>
+          <p:cNvPr id="15" name="TextBox 14">
+            <a:extLst>
+              <a:ext uri="{FF2B5EF4-FFF2-40B4-BE49-F238E27FC236}">
+                <a16:creationId xmlns:a16="http://schemas.microsoft.com/office/drawing/2014/main" id="{6965FF92-FF26-415F-BA19-14E7DCA1754A}"/>
+              </a:ext>
+            </a:extLst>
+          </p:cNvPr>
+          <p:cNvSpPr txBox="1"/>
+          <p:nvPr/>
+        </p:nvSpPr>
+        <p:spPr>
+          <a:xfrm>
+            <a:off x="2616200" y="2008790"/>
+            <a:ext cx="7581900" cy="4154984"/>
+          </a:xfrm>
+          <a:prstGeom prst="rect">
+            <a:avLst/>
+          </a:prstGeom>
+          <a:noFill/>
+        </p:spPr>
+        <p:txBody>
+          <a:bodyPr wrap="square" rtlCol="0">
+            <a:spAutoFit/>
+          </a:bodyPr>
+          <a:lstStyle/>
+          <a:p>
+            <a:pPr algn="ctr"/>
+            <a:r>
+              <a:rPr lang="ko-KR" altLang="en-US" sz="2400" dirty="0">
+                <a:solidFill>
+                  <a:schemeClr val="bg1"/>
+                </a:solidFill>
+                <a:latin typeface="한컴 윤고딕 240" panose="02020603020101020101" pitchFamily="18" charset="-127"/>
+                <a:ea typeface="한컴 윤고딕 240" panose="02020603020101020101" pitchFamily="18" charset="-127"/>
+              </a:rPr>
+              <a:t>플랫폼</a:t>
+            </a:r>
+            <a:r>
+              <a:rPr lang="en-US" altLang="ko-KR" sz="2400" dirty="0">
+                <a:solidFill>
+                  <a:schemeClr val="bg1"/>
+                </a:solidFill>
+                <a:latin typeface="한컴 윤고딕 240" panose="02020603020101020101" pitchFamily="18" charset="-127"/>
+                <a:ea typeface="한컴 윤고딕 240" panose="02020603020101020101" pitchFamily="18" charset="-127"/>
+              </a:rPr>
+              <a:t>: Windows PC</a:t>
+            </a:r>
+          </a:p>
+          <a:p>
+            <a:pPr algn="ctr"/>
+            <a:endParaRPr lang="en-US" altLang="ko-KR" sz="2400" dirty="0">
+              <a:solidFill>
+                <a:schemeClr val="bg1"/>
+              </a:solidFill>
+              <a:latin typeface="한컴 윤고딕 240" panose="02020603020101020101" pitchFamily="18" charset="-127"/>
+              <a:ea typeface="한컴 윤고딕 240" panose="02020603020101020101" pitchFamily="18" charset="-127"/>
+            </a:endParaRPr>
+          </a:p>
+          <a:p>
+            <a:pPr algn="ctr"/>
+            <a:r>
+              <a:rPr lang="ko-KR" altLang="en-US" sz="2400" dirty="0">
+                <a:solidFill>
+                  <a:schemeClr val="bg1"/>
+                </a:solidFill>
+                <a:latin typeface="한컴 윤고딕 240" panose="02020603020101020101" pitchFamily="18" charset="-127"/>
+                <a:ea typeface="한컴 윤고딕 240" panose="02020603020101020101" pitchFamily="18" charset="-127"/>
+              </a:rPr>
+              <a:t>게임 엔진</a:t>
+            </a:r>
+            <a:r>
+              <a:rPr lang="en-US" altLang="ko-KR" sz="2400" dirty="0">
+                <a:solidFill>
+                  <a:schemeClr val="bg1"/>
+                </a:solidFill>
+                <a:latin typeface="한컴 윤고딕 240" panose="02020603020101020101" pitchFamily="18" charset="-127"/>
+                <a:ea typeface="한컴 윤고딕 240" panose="02020603020101020101" pitchFamily="18" charset="-127"/>
+              </a:rPr>
+              <a:t>: Unity3D</a:t>
+            </a:r>
+          </a:p>
+          <a:p>
+            <a:pPr algn="ctr"/>
+            <a:endParaRPr lang="en-US" altLang="ko-KR" sz="2400" dirty="0">
+              <a:solidFill>
+                <a:schemeClr val="bg1"/>
+              </a:solidFill>
+              <a:latin typeface="한컴 윤고딕 240" panose="02020603020101020101" pitchFamily="18" charset="-127"/>
+              <a:ea typeface="한컴 윤고딕 240" panose="02020603020101020101" pitchFamily="18" charset="-127"/>
+            </a:endParaRPr>
+          </a:p>
+          <a:p>
+            <a:pPr algn="ctr"/>
+            <a:r>
+              <a:rPr lang="ko-KR" altLang="en-US" sz="2400" dirty="0">
+                <a:solidFill>
+                  <a:schemeClr val="bg1"/>
+                </a:solidFill>
+                <a:latin typeface="한컴 윤고딕 240" panose="02020603020101020101" pitchFamily="18" charset="-127"/>
+                <a:ea typeface="한컴 윤고딕 240" panose="02020603020101020101" pitchFamily="18" charset="-127"/>
+              </a:rPr>
+              <a:t>통신 프로토콜</a:t>
+            </a:r>
+            <a:r>
+              <a:rPr lang="en-US" altLang="ko-KR" sz="2400" dirty="0">
+                <a:solidFill>
+                  <a:schemeClr val="bg1"/>
+                </a:solidFill>
+                <a:latin typeface="한컴 윤고딕 240" panose="02020603020101020101" pitchFamily="18" charset="-127"/>
+                <a:ea typeface="한컴 윤고딕 240" panose="02020603020101020101" pitchFamily="18" charset="-127"/>
+              </a:rPr>
+              <a:t>: TCP/IP</a:t>
+            </a:r>
+          </a:p>
+          <a:p>
+            <a:pPr algn="ctr"/>
+            <a:endParaRPr lang="en-US" altLang="ko-KR" sz="2400" dirty="0">
+              <a:solidFill>
+                <a:schemeClr val="bg1"/>
+              </a:solidFill>
+              <a:latin typeface="한컴 윤고딕 240" panose="02020603020101020101" pitchFamily="18" charset="-127"/>
+              <a:ea typeface="한컴 윤고딕 240" panose="02020603020101020101" pitchFamily="18" charset="-127"/>
+            </a:endParaRPr>
+          </a:p>
+          <a:p>
+            <a:pPr algn="ctr"/>
+            <a:r>
+              <a:rPr lang="en-US" altLang="ko-KR" sz="2400" dirty="0">
+                <a:solidFill>
+                  <a:schemeClr val="bg1"/>
+                </a:solidFill>
+                <a:latin typeface="한컴 윤고딕 240" panose="02020603020101020101" pitchFamily="18" charset="-127"/>
+                <a:ea typeface="한컴 윤고딕 240" panose="02020603020101020101" pitchFamily="18" charset="-127"/>
+              </a:rPr>
+              <a:t>DB: </a:t>
+            </a:r>
+            <a:r>
+              <a:rPr lang="en-US" altLang="ko-KR" sz="2400" dirty="0" err="1">
+                <a:solidFill>
+                  <a:schemeClr val="bg1"/>
+                </a:solidFill>
+                <a:latin typeface="한컴 윤고딕 240" panose="02020603020101020101" pitchFamily="18" charset="-127"/>
+                <a:ea typeface="한컴 윤고딕 240" panose="02020603020101020101" pitchFamily="18" charset="-127"/>
+              </a:rPr>
+              <a:t>MySQL</a:t>
+            </a:r>
+            <a:endParaRPr lang="en-US" altLang="ko-KR" sz="2400" dirty="0">
+              <a:solidFill>
+                <a:schemeClr val="bg1"/>
+              </a:solidFill>
+              <a:latin typeface="한컴 윤고딕 240" panose="02020603020101020101" pitchFamily="18" charset="-127"/>
+              <a:ea typeface="한컴 윤고딕 240" panose="02020603020101020101" pitchFamily="18" charset="-127"/>
+            </a:endParaRPr>
+          </a:p>
+          <a:p>
+            <a:pPr algn="ctr"/>
+            <a:endParaRPr lang="en-US" altLang="ko-KR" sz="2400" dirty="0">
+              <a:solidFill>
+                <a:schemeClr val="bg1"/>
+              </a:solidFill>
+              <a:latin typeface="한컴 윤고딕 240" panose="02020603020101020101" pitchFamily="18" charset="-127"/>
+              <a:ea typeface="한컴 윤고딕 240" panose="02020603020101020101" pitchFamily="18" charset="-127"/>
+            </a:endParaRPr>
+          </a:p>
+          <a:p>
+            <a:pPr algn="ctr"/>
+            <a:r>
+              <a:rPr lang="ko-KR" altLang="en-US" sz="2400" dirty="0">
+                <a:solidFill>
+                  <a:schemeClr val="bg1"/>
+                </a:solidFill>
+                <a:latin typeface="한컴 윤고딕 240" panose="02020603020101020101" pitchFamily="18" charset="-127"/>
+                <a:ea typeface="한컴 윤고딕 240" panose="02020603020101020101" pitchFamily="18" charset="-127"/>
+              </a:rPr>
+              <a:t>그래픽</a:t>
+            </a:r>
+            <a:r>
+              <a:rPr lang="en-US" altLang="ko-KR" sz="2400" dirty="0">
+                <a:solidFill>
+                  <a:schemeClr val="bg1"/>
+                </a:solidFill>
+                <a:latin typeface="한컴 윤고딕 240" panose="02020603020101020101" pitchFamily="18" charset="-127"/>
+                <a:ea typeface="한컴 윤고딕 240" panose="02020603020101020101" pitchFamily="18" charset="-127"/>
+              </a:rPr>
+              <a:t>: 3d Max, </a:t>
+            </a:r>
+            <a:r>
+              <a:rPr lang="en-US" altLang="ko-KR" sz="2400" dirty="0" err="1">
+                <a:solidFill>
+                  <a:schemeClr val="bg1"/>
+                </a:solidFill>
+                <a:latin typeface="한컴 윤고딕 240" panose="02020603020101020101" pitchFamily="18" charset="-127"/>
+                <a:ea typeface="한컴 윤고딕 240" panose="02020603020101020101" pitchFamily="18" charset="-127"/>
+              </a:rPr>
+              <a:t>Zbrush</a:t>
+            </a:r>
+            <a:r>
+              <a:rPr lang="en-US" altLang="ko-KR" sz="2400" dirty="0">
+                <a:solidFill>
+                  <a:schemeClr val="bg1"/>
+                </a:solidFill>
+                <a:latin typeface="한컴 윤고딕 240" panose="02020603020101020101" pitchFamily="18" charset="-127"/>
+                <a:ea typeface="한컴 윤고딕 240" panose="02020603020101020101" pitchFamily="18" charset="-127"/>
+              </a:rPr>
+              <a:t>, Substance Painter</a:t>
+            </a:r>
+          </a:p>
+          <a:p>
+            <a:pPr algn="ctr"/>
+            <a:endParaRPr lang="en-US" altLang="ko-KR" sz="2400" dirty="0">
+              <a:solidFill>
+                <a:schemeClr val="bg1"/>
+              </a:solidFill>
+              <a:latin typeface="한컴 윤고딕 240" panose="02020603020101020101" pitchFamily="18" charset="-127"/>
+              <a:ea typeface="한컴 윤고딕 240" panose="02020603020101020101" pitchFamily="18" charset="-127"/>
+            </a:endParaRPr>
+          </a:p>
+          <a:p>
+            <a:pPr algn="ctr"/>
+            <a:r>
+              <a:rPr lang="ko-KR" altLang="en-US" sz="2400" dirty="0">
+                <a:solidFill>
+                  <a:schemeClr val="bg1"/>
+                </a:solidFill>
+                <a:latin typeface="한컴 윤고딕 240" panose="02020603020101020101" pitchFamily="18" charset="-127"/>
+                <a:ea typeface="한컴 윤고딕 240" panose="02020603020101020101" pitchFamily="18" charset="-127"/>
+              </a:rPr>
+              <a:t>형상 관리</a:t>
+            </a:r>
+            <a:r>
+              <a:rPr lang="en-US" altLang="ko-KR" sz="2400" dirty="0">
+                <a:solidFill>
+                  <a:schemeClr val="bg1"/>
+                </a:solidFill>
+                <a:latin typeface="한컴 윤고딕 240" panose="02020603020101020101" pitchFamily="18" charset="-127"/>
+                <a:ea typeface="한컴 윤고딕 240" panose="02020603020101020101" pitchFamily="18" charset="-127"/>
+              </a:rPr>
+              <a:t>: </a:t>
+            </a:r>
+            <a:r>
+              <a:rPr lang="en-US" altLang="ko-KR" sz="2400" dirty="0" err="1">
+                <a:solidFill>
+                  <a:schemeClr val="bg1"/>
+                </a:solidFill>
+                <a:latin typeface="한컴 윤고딕 240" panose="02020603020101020101" pitchFamily="18" charset="-127"/>
+                <a:ea typeface="한컴 윤고딕 240" panose="02020603020101020101" pitchFamily="18" charset="-127"/>
+              </a:rPr>
+              <a:t>Git</a:t>
+            </a:r>
+            <a:endParaRPr lang="en-US" altLang="ko-KR" sz="2400" dirty="0">
+              <a:solidFill>
+                <a:schemeClr val="bg1"/>
+              </a:solidFill>
+              <a:latin typeface="한컴 윤고딕 240" panose="02020603020101020101" pitchFamily="18" charset="-127"/>
+              <a:ea typeface="한컴 윤고딕 240" panose="02020603020101020101" pitchFamily="18" charset="-127"/>
+            </a:endParaRPr>
+          </a:p>
+        </p:txBody>
+      </p:sp>
       <p:grpSp>
         <p:nvGrpSpPr>
-          <p:cNvPr id="13" name="그룹 12">
+          <p:cNvPr id="21" name="그룹 20">
             <a:extLst>
               <a:ext uri="{FF2B5EF4-FFF2-40B4-BE49-F238E27FC236}">
-                <a16:creationId xmlns:a16="http://schemas.microsoft.com/office/drawing/2014/main" id="{D2BF6CCD-7CED-419A-A7E2-1913E543FDB5}"/>
+                <a16:creationId xmlns:a16="http://schemas.microsoft.com/office/drawing/2014/main" id="{97242807-679C-46CA-ADC7-B50B78726CEF}"/>
               </a:ext>
             </a:extLst>
           </p:cNvPr>
@@ -13291,7 +13584,7 @@
         </p:nvGrpSpPr>
         <p:grpSpPr>
           <a:xfrm>
-            <a:off x="2049145" y="1168400"/>
+            <a:off x="2200910" y="1166657"/>
             <a:ext cx="4135120" cy="45720"/>
             <a:chOff x="2049145" y="1168400"/>
             <a:chExt cx="4135120" cy="45720"/>
@@ -13299,10 +13592,10 @@
         </p:grpSpPr>
         <p:sp>
           <p:nvSpPr>
-            <p:cNvPr id="22" name="타원 21">
+            <p:cNvPr id="26" name="타원 25">
               <a:extLst>
                 <a:ext uri="{FF2B5EF4-FFF2-40B4-BE49-F238E27FC236}">
-                  <a16:creationId xmlns:a16="http://schemas.microsoft.com/office/drawing/2014/main" id="{4B65D38A-00DE-4BFA-8FA5-A15A58E7BC9A}"/>
+                  <a16:creationId xmlns:a16="http://schemas.microsoft.com/office/drawing/2014/main" id="{6E6C5870-A7AF-4810-BBA5-E7E87FDB7A5B}"/>
                 </a:ext>
               </a:extLst>
             </p:cNvPr>
@@ -13351,10 +13644,10 @@
         </p:sp>
         <p:sp>
           <p:nvSpPr>
-            <p:cNvPr id="23" name="타원 22">
+            <p:cNvPr id="27" name="타원 26">
               <a:extLst>
                 <a:ext uri="{FF2B5EF4-FFF2-40B4-BE49-F238E27FC236}">
-                  <a16:creationId xmlns:a16="http://schemas.microsoft.com/office/drawing/2014/main" id="{A6630D8B-02E2-4081-89EA-CB87460FE033}"/>
+                  <a16:creationId xmlns:a16="http://schemas.microsoft.com/office/drawing/2014/main" id="{1CB41257-2334-499B-A845-33FDE6EC133F}"/>
                 </a:ext>
               </a:extLst>
             </p:cNvPr>
@@ -13403,10 +13696,10 @@
         </p:sp>
         <p:sp>
           <p:nvSpPr>
-            <p:cNvPr id="24" name="타원 23">
+            <p:cNvPr id="28" name="타원 27">
               <a:extLst>
                 <a:ext uri="{FF2B5EF4-FFF2-40B4-BE49-F238E27FC236}">
-                  <a16:creationId xmlns:a16="http://schemas.microsoft.com/office/drawing/2014/main" id="{0B4028E9-E2B3-42CB-A61C-A930BC3A1E32}"/>
+                  <a16:creationId xmlns:a16="http://schemas.microsoft.com/office/drawing/2014/main" id="{C044545E-86DE-4AB6-BB25-003B7A24607D}"/>
                 </a:ext>
               </a:extLst>
             </p:cNvPr>
@@ -13455,10 +13748,10 @@
         </p:sp>
         <p:cxnSp>
           <p:nvCxnSpPr>
-            <p:cNvPr id="25" name="직선 연결선 24">
+            <p:cNvPr id="29" name="직선 연결선 28">
               <a:extLst>
                 <a:ext uri="{FF2B5EF4-FFF2-40B4-BE49-F238E27FC236}">
-                  <a16:creationId xmlns:a16="http://schemas.microsoft.com/office/drawing/2014/main" id="{EE76C4CF-25DD-4E80-B805-C014DF92A125}"/>
+                  <a16:creationId xmlns:a16="http://schemas.microsoft.com/office/drawing/2014/main" id="{335BE08B-D50A-4311-AC11-7729BAB2DD92}"/>
                 </a:ext>
               </a:extLst>
             </p:cNvPr>
@@ -13511,267 +13804,6 @@
           </p:style>
         </p:cxnSp>
       </p:grpSp>
-      <p:sp>
-        <p:nvSpPr>
-          <p:cNvPr id="15" name="TextBox 14">
-            <a:extLst>
-              <a:ext uri="{FF2B5EF4-FFF2-40B4-BE49-F238E27FC236}">
-                <a16:creationId xmlns:a16="http://schemas.microsoft.com/office/drawing/2014/main" id="{6965FF92-FF26-415F-BA19-14E7DCA1754A}"/>
-              </a:ext>
-            </a:extLst>
-          </p:cNvPr>
-          <p:cNvSpPr txBox="1"/>
-          <p:nvPr/>
-        </p:nvSpPr>
-        <p:spPr>
-          <a:xfrm>
-            <a:off x="2616200" y="2008790"/>
-            <a:ext cx="7581900" cy="4154984"/>
-          </a:xfrm>
-          <a:prstGeom prst="rect">
-            <a:avLst/>
-          </a:prstGeom>
-          <a:noFill/>
-        </p:spPr>
-        <p:txBody>
-          <a:bodyPr wrap="square" rtlCol="0">
-            <a:spAutoFit/>
-          </a:bodyPr>
-          <a:lstStyle/>
-          <a:p>
-            <a:pPr algn="ctr"/>
-            <a:r>
-              <a:rPr lang="ko-KR" altLang="en-US" sz="2400" dirty="0">
-                <a:solidFill>
-                  <a:schemeClr val="bg1"/>
-                </a:solidFill>
-                <a:latin typeface="한컴 윤고딕 240" panose="02020603020101020101" pitchFamily="18" charset="-127"/>
-                <a:ea typeface="한컴 윤고딕 240" panose="02020603020101020101" pitchFamily="18" charset="-127"/>
-              </a:rPr>
-              <a:t>플랫폼</a:t>
-            </a:r>
-            <a:r>
-              <a:rPr lang="en-US" altLang="ko-KR" sz="2400" dirty="0">
-                <a:solidFill>
-                  <a:schemeClr val="bg1"/>
-                </a:solidFill>
-                <a:latin typeface="한컴 윤고딕 240" panose="02020603020101020101" pitchFamily="18" charset="-127"/>
-                <a:ea typeface="한컴 윤고딕 240" panose="02020603020101020101" pitchFamily="18" charset="-127"/>
-              </a:rPr>
-              <a:t>: Windows PC</a:t>
-            </a:r>
-          </a:p>
-          <a:p>
-            <a:pPr algn="ctr"/>
-            <a:endParaRPr lang="en-US" altLang="ko-KR" sz="2400" dirty="0">
-              <a:solidFill>
-                <a:schemeClr val="bg1"/>
-              </a:solidFill>
-              <a:latin typeface="한컴 윤고딕 240" panose="02020603020101020101" pitchFamily="18" charset="-127"/>
-              <a:ea typeface="한컴 윤고딕 240" panose="02020603020101020101" pitchFamily="18" charset="-127"/>
-            </a:endParaRPr>
-          </a:p>
-          <a:p>
-            <a:pPr algn="ctr"/>
-            <a:r>
-              <a:rPr lang="ko-KR" altLang="en-US" sz="2400" dirty="0">
-                <a:solidFill>
-                  <a:schemeClr val="bg1"/>
-                </a:solidFill>
-                <a:latin typeface="한컴 윤고딕 240" panose="02020603020101020101" pitchFamily="18" charset="-127"/>
-                <a:ea typeface="한컴 윤고딕 240" panose="02020603020101020101" pitchFamily="18" charset="-127"/>
-              </a:rPr>
-              <a:t>게임 엔진</a:t>
-            </a:r>
-            <a:r>
-              <a:rPr lang="en-US" altLang="ko-KR" sz="2400" dirty="0">
-                <a:solidFill>
-                  <a:schemeClr val="bg1"/>
-                </a:solidFill>
-                <a:latin typeface="한컴 윤고딕 240" panose="02020603020101020101" pitchFamily="18" charset="-127"/>
-                <a:ea typeface="한컴 윤고딕 240" panose="02020603020101020101" pitchFamily="18" charset="-127"/>
-              </a:rPr>
-              <a:t>: Unity3D</a:t>
-            </a:r>
-          </a:p>
-          <a:p>
-            <a:pPr algn="ctr"/>
-            <a:endParaRPr lang="en-US" altLang="ko-KR" sz="2400" dirty="0">
-              <a:solidFill>
-                <a:schemeClr val="bg1"/>
-              </a:solidFill>
-              <a:latin typeface="한컴 윤고딕 240" panose="02020603020101020101" pitchFamily="18" charset="-127"/>
-              <a:ea typeface="한컴 윤고딕 240" panose="02020603020101020101" pitchFamily="18" charset="-127"/>
-            </a:endParaRPr>
-          </a:p>
-          <a:p>
-            <a:pPr algn="ctr"/>
-            <a:r>
-              <a:rPr lang="ko-KR" altLang="en-US" sz="2400" dirty="0">
-                <a:solidFill>
-                  <a:schemeClr val="bg1"/>
-                </a:solidFill>
-                <a:latin typeface="한컴 윤고딕 240" panose="02020603020101020101" pitchFamily="18" charset="-127"/>
-                <a:ea typeface="한컴 윤고딕 240" panose="02020603020101020101" pitchFamily="18" charset="-127"/>
-              </a:rPr>
-              <a:t>통신 프로토콜</a:t>
-            </a:r>
-            <a:r>
-              <a:rPr lang="en-US" altLang="ko-KR" sz="2400" dirty="0">
-                <a:solidFill>
-                  <a:schemeClr val="bg1"/>
-                </a:solidFill>
-                <a:latin typeface="한컴 윤고딕 240" panose="02020603020101020101" pitchFamily="18" charset="-127"/>
-                <a:ea typeface="한컴 윤고딕 240" panose="02020603020101020101" pitchFamily="18" charset="-127"/>
-              </a:rPr>
-              <a:t>: TCP/IP</a:t>
-            </a:r>
-          </a:p>
-          <a:p>
-            <a:pPr algn="ctr"/>
-            <a:endParaRPr lang="en-US" altLang="ko-KR" sz="2400" dirty="0">
-              <a:solidFill>
-                <a:schemeClr val="bg1"/>
-              </a:solidFill>
-              <a:latin typeface="한컴 윤고딕 240" panose="02020603020101020101" pitchFamily="18" charset="-127"/>
-              <a:ea typeface="한컴 윤고딕 240" panose="02020603020101020101" pitchFamily="18" charset="-127"/>
-            </a:endParaRPr>
-          </a:p>
-          <a:p>
-            <a:pPr algn="ctr"/>
-            <a:r>
-              <a:rPr lang="en-US" altLang="ko-KR" sz="2400" dirty="0">
-                <a:solidFill>
-                  <a:schemeClr val="bg1"/>
-                </a:solidFill>
-                <a:latin typeface="한컴 윤고딕 240" panose="02020603020101020101" pitchFamily="18" charset="-127"/>
-                <a:ea typeface="한컴 윤고딕 240" panose="02020603020101020101" pitchFamily="18" charset="-127"/>
-              </a:rPr>
-              <a:t>DB: </a:t>
-            </a:r>
-            <a:r>
-              <a:rPr lang="en-US" altLang="ko-KR" sz="2400" dirty="0" err="1">
-                <a:solidFill>
-                  <a:schemeClr val="bg1"/>
-                </a:solidFill>
-                <a:latin typeface="한컴 윤고딕 240" panose="02020603020101020101" pitchFamily="18" charset="-127"/>
-                <a:ea typeface="한컴 윤고딕 240" panose="02020603020101020101" pitchFamily="18" charset="-127"/>
-              </a:rPr>
-              <a:t>MySQL</a:t>
-            </a:r>
-            <a:endParaRPr lang="en-US" altLang="ko-KR" sz="2400" dirty="0">
-              <a:solidFill>
-                <a:schemeClr val="bg1"/>
-              </a:solidFill>
-              <a:latin typeface="한컴 윤고딕 240" panose="02020603020101020101" pitchFamily="18" charset="-127"/>
-              <a:ea typeface="한컴 윤고딕 240" panose="02020603020101020101" pitchFamily="18" charset="-127"/>
-            </a:endParaRPr>
-          </a:p>
-          <a:p>
-            <a:pPr algn="ctr"/>
-            <a:endParaRPr lang="en-US" altLang="ko-KR" sz="2400" dirty="0">
-              <a:solidFill>
-                <a:schemeClr val="bg1"/>
-              </a:solidFill>
-              <a:latin typeface="한컴 윤고딕 240" panose="02020603020101020101" pitchFamily="18" charset="-127"/>
-              <a:ea typeface="한컴 윤고딕 240" panose="02020603020101020101" pitchFamily="18" charset="-127"/>
-            </a:endParaRPr>
-          </a:p>
-          <a:p>
-            <a:pPr algn="ctr"/>
-            <a:r>
-              <a:rPr lang="ko-KR" altLang="en-US" sz="2400" dirty="0">
-                <a:solidFill>
-                  <a:schemeClr val="bg1"/>
-                </a:solidFill>
-                <a:latin typeface="한컴 윤고딕 240" panose="02020603020101020101" pitchFamily="18" charset="-127"/>
-                <a:ea typeface="한컴 윤고딕 240" panose="02020603020101020101" pitchFamily="18" charset="-127"/>
-              </a:rPr>
-              <a:t>그래픽</a:t>
-            </a:r>
-            <a:r>
-              <a:rPr lang="en-US" altLang="ko-KR" sz="2400" dirty="0">
-                <a:solidFill>
-                  <a:schemeClr val="bg1"/>
-                </a:solidFill>
-                <a:latin typeface="한컴 윤고딕 240" panose="02020603020101020101" pitchFamily="18" charset="-127"/>
-                <a:ea typeface="한컴 윤고딕 240" panose="02020603020101020101" pitchFamily="18" charset="-127"/>
-              </a:rPr>
-              <a:t>: 3DMax, </a:t>
-            </a:r>
-            <a:r>
-              <a:rPr lang="en-US" altLang="ko-KR" sz="2400" dirty="0" err="1">
-                <a:solidFill>
-                  <a:schemeClr val="bg1"/>
-                </a:solidFill>
-                <a:latin typeface="한컴 윤고딕 240" panose="02020603020101020101" pitchFamily="18" charset="-127"/>
-                <a:ea typeface="한컴 윤고딕 240" panose="02020603020101020101" pitchFamily="18" charset="-127"/>
-              </a:rPr>
-              <a:t>Zbrush</a:t>
-            </a:r>
-            <a:r>
-              <a:rPr lang="en-US" altLang="ko-KR" sz="2400" dirty="0">
-                <a:solidFill>
-                  <a:schemeClr val="bg1"/>
-                </a:solidFill>
-                <a:latin typeface="한컴 윤고딕 240" panose="02020603020101020101" pitchFamily="18" charset="-127"/>
-                <a:ea typeface="한컴 윤고딕 240" panose="02020603020101020101" pitchFamily="18" charset="-127"/>
-              </a:rPr>
-              <a:t>, Substance Painter</a:t>
-            </a:r>
-          </a:p>
-          <a:p>
-            <a:pPr algn="ctr"/>
-            <a:endParaRPr lang="en-US" altLang="ko-KR" sz="2400" dirty="0">
-              <a:solidFill>
-                <a:schemeClr val="bg1"/>
-              </a:solidFill>
-              <a:latin typeface="한컴 윤고딕 240" panose="02020603020101020101" pitchFamily="18" charset="-127"/>
-              <a:ea typeface="한컴 윤고딕 240" panose="02020603020101020101" pitchFamily="18" charset="-127"/>
-            </a:endParaRPr>
-          </a:p>
-          <a:p>
-            <a:pPr algn="ctr"/>
-            <a:r>
-              <a:rPr lang="ko-KR" altLang="en-US" sz="2400" dirty="0">
-                <a:solidFill>
-                  <a:schemeClr val="bg1"/>
-                </a:solidFill>
-                <a:latin typeface="한컴 윤고딕 240" panose="02020603020101020101" pitchFamily="18" charset="-127"/>
-                <a:ea typeface="한컴 윤고딕 240" panose="02020603020101020101" pitchFamily="18" charset="-127"/>
-              </a:rPr>
-              <a:t>형상 관리</a:t>
-            </a:r>
-            <a:r>
-              <a:rPr lang="en-US" altLang="ko-KR" sz="2400" dirty="0">
-                <a:solidFill>
-                  <a:schemeClr val="bg1"/>
-                </a:solidFill>
-                <a:latin typeface="한컴 윤고딕 240" panose="02020603020101020101" pitchFamily="18" charset="-127"/>
-                <a:ea typeface="한컴 윤고딕 240" panose="02020603020101020101" pitchFamily="18" charset="-127"/>
-              </a:rPr>
-              <a:t>: </a:t>
-            </a:r>
-            <a:r>
-              <a:rPr lang="en-US" altLang="ko-KR" sz="2400" dirty="0" err="1">
-                <a:solidFill>
-                  <a:schemeClr val="bg1"/>
-                </a:solidFill>
-                <a:latin typeface="한컴 윤고딕 240" panose="02020603020101020101" pitchFamily="18" charset="-127"/>
-                <a:ea typeface="한컴 윤고딕 240" panose="02020603020101020101" pitchFamily="18" charset="-127"/>
-              </a:rPr>
-              <a:t>Git</a:t>
-            </a:r>
-            <a:endParaRPr lang="en-US" altLang="ko-KR" sz="2400" dirty="0">
-              <a:solidFill>
-                <a:schemeClr val="bg1"/>
-              </a:solidFill>
-              <a:latin typeface="한컴 윤고딕 240" panose="02020603020101020101" pitchFamily="18" charset="-127"/>
-              <a:ea typeface="한컴 윤고딕 240" panose="02020603020101020101" pitchFamily="18" charset="-127"/>
-            </a:endParaRPr>
-          </a:p>
-        </p:txBody>
-      </p:sp>
     </p:spTree>
     <p:extLst>
       <p:ext uri="{BB962C8B-B14F-4D97-AF65-F5344CB8AC3E}">
@@ -14019,12 +14051,450 @@
           </a:p>
         </p:txBody>
       </p:sp>
+      <p:sp>
+        <p:nvSpPr>
+          <p:cNvPr id="15" name="TextBox 14">
+            <a:extLst>
+              <a:ext uri="{FF2B5EF4-FFF2-40B4-BE49-F238E27FC236}">
+                <a16:creationId xmlns:a16="http://schemas.microsoft.com/office/drawing/2014/main" id="{6965FF92-FF26-415F-BA19-14E7DCA1754A}"/>
+              </a:ext>
+            </a:extLst>
+          </p:cNvPr>
+          <p:cNvSpPr txBox="1"/>
+          <p:nvPr/>
+        </p:nvSpPr>
+        <p:spPr>
+          <a:xfrm>
+            <a:off x="1798071" y="1665890"/>
+            <a:ext cx="8935085" cy="3785652"/>
+          </a:xfrm>
+          <a:prstGeom prst="rect">
+            <a:avLst/>
+          </a:prstGeom>
+          <a:noFill/>
+        </p:spPr>
+        <p:txBody>
+          <a:bodyPr wrap="square" rtlCol="0">
+            <a:spAutoFit/>
+          </a:bodyPr>
+          <a:lstStyle/>
+          <a:p>
+            <a:r>
+              <a:rPr lang="en-US" altLang="ko-KR" sz="2000" dirty="0">
+                <a:solidFill>
+                  <a:schemeClr val="bg1"/>
+                </a:solidFill>
+                <a:latin typeface="한컴 윤고딕 240" panose="02020603020101020101" pitchFamily="18" charset="-127"/>
+                <a:ea typeface="한컴 윤고딕 240" panose="02020603020101020101" pitchFamily="18" charset="-127"/>
+              </a:rPr>
+              <a:t>- Unity3D</a:t>
+            </a:r>
+            <a:r>
+              <a:rPr lang="ko-KR" altLang="en-US" sz="2000" dirty="0">
+                <a:solidFill>
+                  <a:schemeClr val="bg1"/>
+                </a:solidFill>
+                <a:latin typeface="한컴 윤고딕 240" panose="02020603020101020101" pitchFamily="18" charset="-127"/>
+                <a:ea typeface="한컴 윤고딕 240" panose="02020603020101020101" pitchFamily="18" charset="-127"/>
+              </a:rPr>
+              <a:t>엔진을 활용한 게임 개발</a:t>
+            </a:r>
+            <a:endParaRPr lang="en-US" altLang="ko-KR" sz="2000" dirty="0">
+              <a:solidFill>
+                <a:schemeClr val="bg1"/>
+              </a:solidFill>
+              <a:latin typeface="한컴 윤고딕 240" panose="02020603020101020101" pitchFamily="18" charset="-127"/>
+              <a:ea typeface="한컴 윤고딕 240" panose="02020603020101020101" pitchFamily="18" charset="-127"/>
+            </a:endParaRPr>
+          </a:p>
+          <a:p>
+            <a:pPr marL="342900" indent="-342900">
+              <a:buFontTx/>
+              <a:buChar char="-"/>
+            </a:pPr>
+            <a:endParaRPr lang="en-US" altLang="ko-KR" sz="2000" dirty="0">
+              <a:solidFill>
+                <a:schemeClr val="bg1"/>
+              </a:solidFill>
+              <a:latin typeface="한컴 윤고딕 240" panose="02020603020101020101" pitchFamily="18" charset="-127"/>
+              <a:ea typeface="한컴 윤고딕 240" panose="02020603020101020101" pitchFamily="18" charset="-127"/>
+            </a:endParaRPr>
+          </a:p>
+          <a:p>
+            <a:pPr>
+              <a:buFontTx/>
+              <a:buChar char="-"/>
+            </a:pPr>
+            <a:r>
+              <a:rPr lang="en-US" altLang="ko-KR" sz="2000" dirty="0">
+                <a:solidFill>
+                  <a:schemeClr val="bg1"/>
+                </a:solidFill>
+                <a:latin typeface="한컴 윤고딕 240" panose="02020603020101020101" pitchFamily="18" charset="-127"/>
+                <a:ea typeface="한컴 윤고딕 240" panose="02020603020101020101" pitchFamily="18" charset="-127"/>
+              </a:rPr>
+              <a:t> </a:t>
+            </a:r>
+            <a:r>
+              <a:rPr lang="en-US" altLang="ko-KR" sz="2000" dirty="0" err="1">
+                <a:solidFill>
+                  <a:schemeClr val="bg1"/>
+                </a:solidFill>
+                <a:latin typeface="한컴 윤고딕 240" panose="02020603020101020101" pitchFamily="18" charset="-127"/>
+                <a:ea typeface="한컴 윤고딕 240" panose="02020603020101020101" pitchFamily="18" charset="-127"/>
+              </a:rPr>
+              <a:t>MySQL</a:t>
+            </a:r>
+            <a:r>
+              <a:rPr lang="ko-KR" altLang="en-US" sz="2000" dirty="0">
+                <a:solidFill>
+                  <a:schemeClr val="bg1"/>
+                </a:solidFill>
+                <a:latin typeface="한컴 윤고딕 240" panose="02020603020101020101" pitchFamily="18" charset="-127"/>
+                <a:ea typeface="한컴 윤고딕 240" panose="02020603020101020101" pitchFamily="18" charset="-127"/>
+              </a:rPr>
+              <a:t> 서버 구축을 통한 랭킹과 로그인 구현</a:t>
+            </a:r>
+            <a:endParaRPr lang="en-US" altLang="ko-KR" sz="2000" dirty="0">
+              <a:solidFill>
+                <a:schemeClr val="bg1"/>
+              </a:solidFill>
+              <a:latin typeface="한컴 윤고딕 240" panose="02020603020101020101" pitchFamily="18" charset="-127"/>
+              <a:ea typeface="한컴 윤고딕 240" panose="02020603020101020101" pitchFamily="18" charset="-127"/>
+            </a:endParaRPr>
+          </a:p>
+          <a:p>
+            <a:pPr>
+              <a:buFontTx/>
+              <a:buChar char="-"/>
+            </a:pPr>
+            <a:endParaRPr lang="en-US" altLang="ko-KR" sz="2000" dirty="0">
+              <a:solidFill>
+                <a:schemeClr val="bg1"/>
+              </a:solidFill>
+              <a:latin typeface="한컴 윤고딕 240" panose="02020603020101020101" pitchFamily="18" charset="-127"/>
+              <a:ea typeface="한컴 윤고딕 240" panose="02020603020101020101" pitchFamily="18" charset="-127"/>
+            </a:endParaRPr>
+          </a:p>
+          <a:p>
+            <a:pPr>
+              <a:buFontTx/>
+              <a:buChar char="-"/>
+            </a:pPr>
+            <a:r>
+              <a:rPr lang="ko-KR" altLang="en-US" sz="2000" dirty="0">
+                <a:solidFill>
+                  <a:schemeClr val="bg1"/>
+                </a:solidFill>
+                <a:latin typeface="한컴 윤고딕 240" panose="02020603020101020101" pitchFamily="18" charset="-127"/>
+                <a:ea typeface="한컴 윤고딕 240" panose="02020603020101020101" pitchFamily="18" charset="-127"/>
+              </a:rPr>
+              <a:t> </a:t>
+            </a:r>
+            <a:r>
+              <a:rPr lang="ko-KR" altLang="en-US" sz="2000" dirty="0" err="1">
+                <a:solidFill>
+                  <a:schemeClr val="bg1"/>
+                </a:solidFill>
+                <a:latin typeface="한컴 윤고딕 240" panose="02020603020101020101" pitchFamily="18" charset="-127"/>
+                <a:ea typeface="한컴 윤고딕 240" panose="02020603020101020101" pitchFamily="18" charset="-127"/>
+              </a:rPr>
+              <a:t>캐쥬얼한</a:t>
+            </a:r>
+            <a:r>
+              <a:rPr lang="ko-KR" altLang="en-US" sz="2000" dirty="0">
+                <a:solidFill>
+                  <a:schemeClr val="bg1"/>
+                </a:solidFill>
+                <a:latin typeface="한컴 윤고딕 240" panose="02020603020101020101" pitchFamily="18" charset="-127"/>
+                <a:ea typeface="한컴 윤고딕 240" panose="02020603020101020101" pitchFamily="18" charset="-127"/>
+              </a:rPr>
+              <a:t> 그래픽 컨셉의 자체 모델링</a:t>
+            </a:r>
+            <a:r>
+              <a:rPr lang="en-US" altLang="ko-KR" sz="2000" dirty="0">
+                <a:solidFill>
+                  <a:schemeClr val="bg1"/>
+                </a:solidFill>
+                <a:latin typeface="한컴 윤고딕 240" panose="02020603020101020101" pitchFamily="18" charset="-127"/>
+                <a:ea typeface="한컴 윤고딕 240" panose="02020603020101020101" pitchFamily="18" charset="-127"/>
+              </a:rPr>
+              <a:t>, </a:t>
+            </a:r>
+            <a:r>
+              <a:rPr lang="ko-KR" altLang="en-US" sz="2000" dirty="0">
+                <a:solidFill>
+                  <a:schemeClr val="bg1"/>
+                </a:solidFill>
+                <a:latin typeface="한컴 윤고딕 240" panose="02020603020101020101" pitchFamily="18" charset="-127"/>
+                <a:ea typeface="한컴 윤고딕 240" panose="02020603020101020101" pitchFamily="18" charset="-127"/>
+              </a:rPr>
+              <a:t>애니메이션 제작</a:t>
+            </a:r>
+            <a:endParaRPr lang="en-US" altLang="ko-KR" sz="2000" dirty="0">
+              <a:solidFill>
+                <a:schemeClr val="bg1"/>
+              </a:solidFill>
+              <a:latin typeface="한컴 윤고딕 240" panose="02020603020101020101" pitchFamily="18" charset="-127"/>
+              <a:ea typeface="한컴 윤고딕 240" panose="02020603020101020101" pitchFamily="18" charset="-127"/>
+            </a:endParaRPr>
+          </a:p>
+          <a:p>
+            <a:endParaRPr lang="en-US" altLang="ko-KR" sz="2000" dirty="0">
+              <a:solidFill>
+                <a:schemeClr val="bg1"/>
+              </a:solidFill>
+              <a:latin typeface="한컴 윤고딕 240" panose="02020603020101020101" pitchFamily="18" charset="-127"/>
+              <a:ea typeface="한컴 윤고딕 240" panose="02020603020101020101" pitchFamily="18" charset="-127"/>
+            </a:endParaRPr>
+          </a:p>
+          <a:p>
+            <a:pPr>
+              <a:buFontTx/>
+              <a:buChar char="-"/>
+            </a:pPr>
+            <a:r>
+              <a:rPr lang="en-US" altLang="ko-KR" sz="2000" dirty="0">
+                <a:solidFill>
+                  <a:schemeClr val="bg1"/>
+                </a:solidFill>
+                <a:latin typeface="한컴 윤고딕 240" panose="02020603020101020101" pitchFamily="18" charset="-127"/>
+                <a:ea typeface="한컴 윤고딕 240" panose="02020603020101020101" pitchFamily="18" charset="-127"/>
+              </a:rPr>
+              <a:t> TCP</a:t>
+            </a:r>
+            <a:r>
+              <a:rPr lang="ko-KR" altLang="en-US" sz="2000" dirty="0">
+                <a:solidFill>
+                  <a:schemeClr val="bg1"/>
+                </a:solidFill>
+                <a:latin typeface="한컴 윤고딕 240" panose="02020603020101020101" pitchFamily="18" charset="-127"/>
+                <a:ea typeface="한컴 윤고딕 240" panose="02020603020101020101" pitchFamily="18" charset="-127"/>
+              </a:rPr>
+              <a:t>를 이용한 패킷 구현 및 통신을 통한</a:t>
+            </a:r>
+            <a:endParaRPr lang="en-US" altLang="ko-KR" sz="2000" dirty="0">
+              <a:solidFill>
+                <a:schemeClr val="bg1"/>
+              </a:solidFill>
+              <a:latin typeface="한컴 윤고딕 240" panose="02020603020101020101" pitchFamily="18" charset="-127"/>
+              <a:ea typeface="한컴 윤고딕 240" panose="02020603020101020101" pitchFamily="18" charset="-127"/>
+            </a:endParaRPr>
+          </a:p>
+          <a:p>
+            <a:r>
+              <a:rPr lang="en-US" altLang="ko-KR" sz="2000" dirty="0">
+                <a:solidFill>
+                  <a:schemeClr val="bg1"/>
+                </a:solidFill>
+                <a:latin typeface="한컴 윤고딕 240" panose="02020603020101020101" pitchFamily="18" charset="-127"/>
+                <a:ea typeface="한컴 윤고딕 240" panose="02020603020101020101" pitchFamily="18" charset="-127"/>
+              </a:rPr>
+              <a:t>   </a:t>
+            </a:r>
+            <a:r>
+              <a:rPr lang="ko-KR" altLang="en-US" sz="2000" dirty="0">
+                <a:solidFill>
+                  <a:schemeClr val="bg1"/>
+                </a:solidFill>
+                <a:latin typeface="한컴 윤고딕 240" panose="02020603020101020101" pitchFamily="18" charset="-127"/>
+                <a:ea typeface="한컴 윤고딕 240" panose="02020603020101020101" pitchFamily="18" charset="-127"/>
+              </a:rPr>
+              <a:t>아이템 파밍</a:t>
+            </a:r>
+            <a:r>
+              <a:rPr lang="en-US" altLang="ko-KR" sz="2000" dirty="0">
+                <a:solidFill>
+                  <a:schemeClr val="bg1"/>
+                </a:solidFill>
+                <a:latin typeface="한컴 윤고딕 240" panose="02020603020101020101" pitchFamily="18" charset="-127"/>
+                <a:ea typeface="한컴 윤고딕 240" panose="02020603020101020101" pitchFamily="18" charset="-127"/>
+              </a:rPr>
+              <a:t>, </a:t>
+            </a:r>
+            <a:r>
+              <a:rPr lang="ko-KR" altLang="en-US" sz="2000" dirty="0">
+                <a:solidFill>
+                  <a:schemeClr val="bg1"/>
+                </a:solidFill>
+                <a:latin typeface="한컴 윤고딕 240" panose="02020603020101020101" pitchFamily="18" charset="-127"/>
+                <a:ea typeface="한컴 윤고딕 240" panose="02020603020101020101" pitchFamily="18" charset="-127"/>
+              </a:rPr>
+              <a:t>장착</a:t>
+            </a:r>
+            <a:r>
+              <a:rPr lang="en-US" altLang="ko-KR" sz="2000" dirty="0">
+                <a:solidFill>
+                  <a:schemeClr val="bg1"/>
+                </a:solidFill>
+                <a:latin typeface="한컴 윤고딕 240" panose="02020603020101020101" pitchFamily="18" charset="-127"/>
+                <a:ea typeface="한컴 윤고딕 240" panose="02020603020101020101" pitchFamily="18" charset="-127"/>
+              </a:rPr>
+              <a:t>, </a:t>
+            </a:r>
+            <a:r>
+              <a:rPr lang="ko-KR" altLang="en-US" sz="2000" dirty="0">
+                <a:solidFill>
+                  <a:schemeClr val="bg1"/>
+                </a:solidFill>
+                <a:latin typeface="한컴 윤고딕 240" panose="02020603020101020101" pitchFamily="18" charset="-127"/>
+                <a:ea typeface="한컴 윤고딕 240" panose="02020603020101020101" pitchFamily="18" charset="-127"/>
+              </a:rPr>
+              <a:t>확인 등의 플레이 요소 구현</a:t>
+            </a:r>
+            <a:endParaRPr lang="en-US" altLang="ko-KR" sz="2000" dirty="0">
+              <a:solidFill>
+                <a:schemeClr val="bg1"/>
+              </a:solidFill>
+              <a:latin typeface="한컴 윤고딕 240" panose="02020603020101020101" pitchFamily="18" charset="-127"/>
+              <a:ea typeface="한컴 윤고딕 240" panose="02020603020101020101" pitchFamily="18" charset="-127"/>
+            </a:endParaRPr>
+          </a:p>
+          <a:p>
+            <a:pPr>
+              <a:buFontTx/>
+              <a:buChar char="-"/>
+            </a:pPr>
+            <a:endParaRPr lang="en-US" altLang="ko-KR" sz="2000" dirty="0">
+              <a:solidFill>
+                <a:schemeClr val="bg1"/>
+              </a:solidFill>
+              <a:latin typeface="한컴 윤고딕 240" panose="02020603020101020101" pitchFamily="18" charset="-127"/>
+              <a:ea typeface="한컴 윤고딕 240" panose="02020603020101020101" pitchFamily="18" charset="-127"/>
+            </a:endParaRPr>
+          </a:p>
+          <a:p>
+            <a:pPr>
+              <a:buFontTx/>
+              <a:buChar char="-"/>
+            </a:pPr>
+            <a:r>
+              <a:rPr lang="en-US" altLang="ko-KR" sz="2000" dirty="0">
+                <a:solidFill>
+                  <a:schemeClr val="bg1"/>
+                </a:solidFill>
+                <a:latin typeface="한컴 윤고딕 240" panose="02020603020101020101" pitchFamily="18" charset="-127"/>
+                <a:ea typeface="한컴 윤고딕 240" panose="02020603020101020101" pitchFamily="18" charset="-127"/>
+              </a:rPr>
+              <a:t> </a:t>
+            </a:r>
+            <a:r>
+              <a:rPr lang="ko-KR" altLang="en-US" sz="2000" dirty="0">
+                <a:solidFill>
+                  <a:schemeClr val="bg1"/>
+                </a:solidFill>
+                <a:latin typeface="한컴 윤고딕 240" panose="02020603020101020101" pitchFamily="18" charset="-127"/>
+                <a:ea typeface="한컴 윤고딕 240" panose="02020603020101020101" pitchFamily="18" charset="-127"/>
+              </a:rPr>
+              <a:t>게임 컨트롤러 지원</a:t>
+            </a:r>
+            <a:endParaRPr lang="en-US" altLang="ko-KR" sz="2000" dirty="0">
+              <a:solidFill>
+                <a:schemeClr val="bg1"/>
+              </a:solidFill>
+              <a:latin typeface="한컴 윤고딕 240" panose="02020603020101020101" pitchFamily="18" charset="-127"/>
+              <a:ea typeface="한컴 윤고딕 240" panose="02020603020101020101" pitchFamily="18" charset="-127"/>
+            </a:endParaRPr>
+          </a:p>
+          <a:p>
+            <a:pPr>
+              <a:buFontTx/>
+              <a:buChar char="-"/>
+            </a:pPr>
+            <a:endParaRPr lang="en-US" altLang="ko-KR" sz="2000" dirty="0">
+              <a:solidFill>
+                <a:schemeClr val="bg1"/>
+              </a:solidFill>
+              <a:latin typeface="한컴 윤고딕 240" panose="02020603020101020101" pitchFamily="18" charset="-127"/>
+              <a:ea typeface="한컴 윤고딕 240" panose="02020603020101020101" pitchFamily="18" charset="-127"/>
+            </a:endParaRPr>
+          </a:p>
+          <a:p>
+            <a:pPr>
+              <a:buFontTx/>
+              <a:buChar char="-"/>
+            </a:pPr>
+            <a:endParaRPr lang="en-US" altLang="ko-KR" sz="2000" dirty="0">
+              <a:solidFill>
+                <a:schemeClr val="bg1"/>
+              </a:solidFill>
+              <a:latin typeface="한컴 윤고딕 240" panose="02020603020101020101" pitchFamily="18" charset="-127"/>
+              <a:ea typeface="한컴 윤고딕 240" panose="02020603020101020101" pitchFamily="18" charset="-127"/>
+            </a:endParaRPr>
+          </a:p>
+        </p:txBody>
+      </p:sp>
+      <p:pic>
+        <p:nvPicPr>
+          <p:cNvPr id="16" name="그림 15" descr="디아3_장비_chldnduq.jpg"/>
+          <p:cNvPicPr>
+            <a:picLocks noChangeAspect="1"/>
+          </p:cNvPicPr>
+          <p:nvPr/>
+        </p:nvPicPr>
+        <p:blipFill>
+          <a:blip r:embed="rId2" cstate="print"/>
+          <a:stretch>
+            <a:fillRect/>
+          </a:stretch>
+        </p:blipFill>
+        <p:spPr>
+          <a:xfrm>
+            <a:off x="8392537" y="3279722"/>
+            <a:ext cx="2932426" cy="3041981"/>
+          </a:xfrm>
+          <a:prstGeom prst="rect">
+            <a:avLst/>
+          </a:prstGeom>
+          <a:ln>
+            <a:noFill/>
+          </a:ln>
+          <a:effectLst>
+            <a:softEdge rad="112500"/>
+          </a:effectLst>
+        </p:spPr>
+      </p:pic>
+      <p:sp>
+        <p:nvSpPr>
+          <p:cNvPr id="17" name="TextBox 16"/>
+          <p:cNvSpPr txBox="1"/>
+          <p:nvPr/>
+        </p:nvSpPr>
+        <p:spPr>
+          <a:xfrm>
+            <a:off x="8392537" y="6256388"/>
+            <a:ext cx="2988319" cy="369332"/>
+          </a:xfrm>
+          <a:prstGeom prst="rect">
+            <a:avLst/>
+          </a:prstGeom>
+          <a:noFill/>
+        </p:spPr>
+        <p:txBody>
+          <a:bodyPr wrap="none" rtlCol="0">
+            <a:spAutoFit/>
+          </a:bodyPr>
+          <a:lstStyle/>
+          <a:p>
+            <a:r>
+              <a:rPr lang="ko-KR" altLang="en-US" dirty="0">
+                <a:solidFill>
+                  <a:schemeClr val="bg1"/>
+                </a:solidFill>
+                <a:latin typeface="한컴 윤고딕 240" panose="02020603020101020101" pitchFamily="18" charset="-127"/>
+                <a:ea typeface="한컴 윤고딕 240" panose="02020603020101020101" pitchFamily="18" charset="-127"/>
+              </a:rPr>
+              <a:t>장비 창을 통한 아이템 확인 </a:t>
+            </a:r>
+          </a:p>
+        </p:txBody>
+      </p:sp>
       <p:grpSp>
         <p:nvGrpSpPr>
-          <p:cNvPr id="3" name="그룹 12">
+          <p:cNvPr id="27" name="그룹 12">
             <a:extLst>
               <a:ext uri="{FF2B5EF4-FFF2-40B4-BE49-F238E27FC236}">
-                <a16:creationId xmlns:a16="http://schemas.microsoft.com/office/drawing/2014/main" id="{D2BF6CCD-7CED-419A-A7E2-1913E543FDB5}"/>
+                <a16:creationId xmlns:a16="http://schemas.microsoft.com/office/drawing/2014/main" id="{EF1203E4-1DC6-4E99-B5B0-90107E6ED674}"/>
               </a:ext>
             </a:extLst>
           </p:cNvPr>
@@ -14041,10 +14511,10 @@
         </p:grpSpPr>
         <p:sp>
           <p:nvSpPr>
-            <p:cNvPr id="22" name="타원 21">
+            <p:cNvPr id="28" name="타원 27">
               <a:extLst>
                 <a:ext uri="{FF2B5EF4-FFF2-40B4-BE49-F238E27FC236}">
-                  <a16:creationId xmlns:a16="http://schemas.microsoft.com/office/drawing/2014/main" id="{4B65D38A-00DE-4BFA-8FA5-A15A58E7BC9A}"/>
+                  <a16:creationId xmlns:a16="http://schemas.microsoft.com/office/drawing/2014/main" id="{6D848FEF-6FB5-4195-90E6-956C3C6D5711}"/>
                 </a:ext>
               </a:extLst>
             </p:cNvPr>
@@ -14093,10 +14563,10 @@
         </p:sp>
         <p:sp>
           <p:nvSpPr>
-            <p:cNvPr id="23" name="타원 22">
+            <p:cNvPr id="29" name="타원 28">
               <a:extLst>
                 <a:ext uri="{FF2B5EF4-FFF2-40B4-BE49-F238E27FC236}">
-                  <a16:creationId xmlns:a16="http://schemas.microsoft.com/office/drawing/2014/main" id="{A6630D8B-02E2-4081-89EA-CB87460FE033}"/>
+                  <a16:creationId xmlns:a16="http://schemas.microsoft.com/office/drawing/2014/main" id="{DBCDBF45-B09B-431C-A809-30BDAEE29A49}"/>
                 </a:ext>
               </a:extLst>
             </p:cNvPr>
@@ -14145,10 +14615,10 @@
         </p:sp>
         <p:sp>
           <p:nvSpPr>
-            <p:cNvPr id="24" name="타원 23">
+            <p:cNvPr id="30" name="타원 29">
               <a:extLst>
                 <a:ext uri="{FF2B5EF4-FFF2-40B4-BE49-F238E27FC236}">
-                  <a16:creationId xmlns:a16="http://schemas.microsoft.com/office/drawing/2014/main" id="{0B4028E9-E2B3-42CB-A61C-A930BC3A1E32}"/>
+                  <a16:creationId xmlns:a16="http://schemas.microsoft.com/office/drawing/2014/main" id="{40B5E1AA-6168-4A99-AD8D-5DB124F0A88F}"/>
                 </a:ext>
               </a:extLst>
             </p:cNvPr>
@@ -14197,10 +14667,10 @@
         </p:sp>
         <p:cxnSp>
           <p:nvCxnSpPr>
-            <p:cNvPr id="25" name="직선 연결선 24">
+            <p:cNvPr id="31" name="직선 연결선 30">
               <a:extLst>
                 <a:ext uri="{FF2B5EF4-FFF2-40B4-BE49-F238E27FC236}">
-                  <a16:creationId xmlns:a16="http://schemas.microsoft.com/office/drawing/2014/main" id="{EE76C4CF-25DD-4E80-B805-C014DF92A125}"/>
+                  <a16:creationId xmlns:a16="http://schemas.microsoft.com/office/drawing/2014/main" id="{238702E6-EB92-41D6-BE84-BD9E9E614943}"/>
                 </a:ext>
               </a:extLst>
             </p:cNvPr>
@@ -14253,434 +14723,6 @@
           </p:style>
         </p:cxnSp>
       </p:grpSp>
-      <p:sp>
-        <p:nvSpPr>
-          <p:cNvPr id="15" name="TextBox 14">
-            <a:extLst>
-              <a:ext uri="{FF2B5EF4-FFF2-40B4-BE49-F238E27FC236}">
-                <a16:creationId xmlns:a16="http://schemas.microsoft.com/office/drawing/2014/main" id="{6965FF92-FF26-415F-BA19-14E7DCA1754A}"/>
-              </a:ext>
-            </a:extLst>
-          </p:cNvPr>
-          <p:cNvSpPr txBox="1"/>
-          <p:nvPr/>
-        </p:nvSpPr>
-        <p:spPr>
-          <a:xfrm>
-            <a:off x="1798071" y="1665890"/>
-            <a:ext cx="8935085" cy="3785652"/>
-          </a:xfrm>
-          <a:prstGeom prst="rect">
-            <a:avLst/>
-          </a:prstGeom>
-          <a:noFill/>
-        </p:spPr>
-        <p:txBody>
-          <a:bodyPr wrap="square" rtlCol="0">
-            <a:spAutoFit/>
-          </a:bodyPr>
-          <a:lstStyle/>
-          <a:p>
-            <a:r>
-              <a:rPr lang="en-US" altLang="ko-KR" sz="2000" dirty="0">
-                <a:solidFill>
-                  <a:schemeClr val="bg1"/>
-                </a:solidFill>
-                <a:latin typeface="한컴 윤고딕 240" panose="02020603020101020101" pitchFamily="18" charset="-127"/>
-                <a:ea typeface="한컴 윤고딕 240" panose="02020603020101020101" pitchFamily="18" charset="-127"/>
-              </a:rPr>
-              <a:t>- Unity3D</a:t>
-            </a:r>
-            <a:r>
-              <a:rPr lang="ko-KR" altLang="en-US" sz="2000" dirty="0">
-                <a:solidFill>
-                  <a:schemeClr val="bg1"/>
-                </a:solidFill>
-                <a:latin typeface="한컴 윤고딕 240" panose="02020603020101020101" pitchFamily="18" charset="-127"/>
-                <a:ea typeface="한컴 윤고딕 240" panose="02020603020101020101" pitchFamily="18" charset="-127"/>
-              </a:rPr>
-              <a:t>엔진을 활용한 게임 개발</a:t>
-            </a:r>
-            <a:endParaRPr lang="en-US" altLang="ko-KR" sz="2000" dirty="0">
-              <a:solidFill>
-                <a:schemeClr val="bg1"/>
-              </a:solidFill>
-              <a:latin typeface="한컴 윤고딕 240" panose="02020603020101020101" pitchFamily="18" charset="-127"/>
-              <a:ea typeface="한컴 윤고딕 240" panose="02020603020101020101" pitchFamily="18" charset="-127"/>
-            </a:endParaRPr>
-          </a:p>
-          <a:p>
-            <a:pPr marL="342900" indent="-342900">
-              <a:buFontTx/>
-              <a:buChar char="-"/>
-            </a:pPr>
-            <a:endParaRPr lang="en-US" altLang="ko-KR" sz="2000" dirty="0">
-              <a:solidFill>
-                <a:schemeClr val="bg1"/>
-              </a:solidFill>
-              <a:latin typeface="한컴 윤고딕 240" panose="02020603020101020101" pitchFamily="18" charset="-127"/>
-              <a:ea typeface="한컴 윤고딕 240" panose="02020603020101020101" pitchFamily="18" charset="-127"/>
-            </a:endParaRPr>
-          </a:p>
-          <a:p>
-            <a:pPr>
-              <a:buFontTx/>
-              <a:buChar char="-"/>
-            </a:pPr>
-            <a:r>
-              <a:rPr lang="en-US" altLang="ko-KR" sz="2000" dirty="0">
-                <a:solidFill>
-                  <a:schemeClr val="bg1"/>
-                </a:solidFill>
-                <a:latin typeface="한컴 윤고딕 240" panose="02020603020101020101" pitchFamily="18" charset="-127"/>
-                <a:ea typeface="한컴 윤고딕 240" panose="02020603020101020101" pitchFamily="18" charset="-127"/>
-              </a:rPr>
-              <a:t> </a:t>
-            </a:r>
-            <a:r>
-              <a:rPr lang="en-US" altLang="ko-KR" sz="2000" dirty="0" err="1">
-                <a:solidFill>
-                  <a:schemeClr val="bg1"/>
-                </a:solidFill>
-                <a:latin typeface="한컴 윤고딕 240" panose="02020603020101020101" pitchFamily="18" charset="-127"/>
-                <a:ea typeface="한컴 윤고딕 240" panose="02020603020101020101" pitchFamily="18" charset="-127"/>
-              </a:rPr>
-              <a:t>MySQL</a:t>
-            </a:r>
-            <a:r>
-              <a:rPr lang="ko-KR" altLang="en-US" sz="2000" dirty="0">
-                <a:solidFill>
-                  <a:schemeClr val="bg1"/>
-                </a:solidFill>
-                <a:latin typeface="한컴 윤고딕 240" panose="02020603020101020101" pitchFamily="18" charset="-127"/>
-                <a:ea typeface="한컴 윤고딕 240" panose="02020603020101020101" pitchFamily="18" charset="-127"/>
-              </a:rPr>
-              <a:t> 서버 구축을 통한 랭킹과 로그인 구현</a:t>
-            </a:r>
-            <a:endParaRPr lang="en-US" altLang="ko-KR" sz="2000" dirty="0">
-              <a:solidFill>
-                <a:schemeClr val="bg1"/>
-              </a:solidFill>
-              <a:latin typeface="한컴 윤고딕 240" panose="02020603020101020101" pitchFamily="18" charset="-127"/>
-              <a:ea typeface="한컴 윤고딕 240" panose="02020603020101020101" pitchFamily="18" charset="-127"/>
-            </a:endParaRPr>
-          </a:p>
-          <a:p>
-            <a:pPr>
-              <a:buFontTx/>
-              <a:buChar char="-"/>
-            </a:pPr>
-            <a:endParaRPr lang="en-US" altLang="ko-KR" sz="2000" dirty="0">
-              <a:solidFill>
-                <a:schemeClr val="bg1"/>
-              </a:solidFill>
-              <a:latin typeface="한컴 윤고딕 240" panose="02020603020101020101" pitchFamily="18" charset="-127"/>
-              <a:ea typeface="한컴 윤고딕 240" panose="02020603020101020101" pitchFamily="18" charset="-127"/>
-            </a:endParaRPr>
-          </a:p>
-          <a:p>
-            <a:pPr>
-              <a:buFontTx/>
-              <a:buChar char="-"/>
-            </a:pPr>
-            <a:r>
-              <a:rPr lang="en-US" altLang="ko-KR" sz="2000" dirty="0">
-                <a:solidFill>
-                  <a:schemeClr val="bg1"/>
-                </a:solidFill>
-                <a:latin typeface="한컴 윤고딕 240" panose="02020603020101020101" pitchFamily="18" charset="-127"/>
-                <a:ea typeface="한컴 윤고딕 240" panose="02020603020101020101" pitchFamily="18" charset="-127"/>
-              </a:rPr>
-              <a:t> </a:t>
-            </a:r>
-            <a:r>
-              <a:rPr lang="ko-KR" altLang="en-US" sz="2000" dirty="0">
-                <a:solidFill>
-                  <a:schemeClr val="bg1"/>
-                </a:solidFill>
-                <a:latin typeface="한컴 윤고딕 240" panose="02020603020101020101" pitchFamily="18" charset="-127"/>
-                <a:ea typeface="한컴 윤고딕 240" panose="02020603020101020101" pitchFamily="18" charset="-127"/>
-              </a:rPr>
-              <a:t>캐쥬얼한 그래픽 컨셉의 모델링</a:t>
-            </a:r>
-            <a:r>
-              <a:rPr lang="en-US" altLang="ko-KR" sz="2000" dirty="0">
-                <a:solidFill>
-                  <a:schemeClr val="bg1"/>
-                </a:solidFill>
-                <a:latin typeface="한컴 윤고딕 240" panose="02020603020101020101" pitchFamily="18" charset="-127"/>
-                <a:ea typeface="한컴 윤고딕 240" panose="02020603020101020101" pitchFamily="18" charset="-127"/>
-              </a:rPr>
-              <a:t>, </a:t>
-            </a:r>
-            <a:r>
-              <a:rPr lang="ko-KR" altLang="en-US" sz="2000" dirty="0">
-                <a:solidFill>
-                  <a:schemeClr val="bg1"/>
-                </a:solidFill>
-                <a:latin typeface="한컴 윤고딕 240" panose="02020603020101020101" pitchFamily="18" charset="-127"/>
-                <a:ea typeface="한컴 윤고딕 240" panose="02020603020101020101" pitchFamily="18" charset="-127"/>
-              </a:rPr>
-              <a:t>애니메이션 제작</a:t>
-            </a:r>
-            <a:endParaRPr lang="en-US" altLang="ko-KR" sz="2000" dirty="0">
-              <a:solidFill>
-                <a:schemeClr val="bg1"/>
-              </a:solidFill>
-              <a:latin typeface="한컴 윤고딕 240" panose="02020603020101020101" pitchFamily="18" charset="-127"/>
-              <a:ea typeface="한컴 윤고딕 240" panose="02020603020101020101" pitchFamily="18" charset="-127"/>
-            </a:endParaRPr>
-          </a:p>
-          <a:p>
-            <a:endParaRPr lang="en-US" altLang="ko-KR" sz="2000" dirty="0">
-              <a:solidFill>
-                <a:schemeClr val="bg1"/>
-              </a:solidFill>
-              <a:latin typeface="한컴 윤고딕 240" panose="02020603020101020101" pitchFamily="18" charset="-127"/>
-              <a:ea typeface="한컴 윤고딕 240" panose="02020603020101020101" pitchFamily="18" charset="-127"/>
-            </a:endParaRPr>
-          </a:p>
-          <a:p>
-            <a:pPr>
-              <a:buFontTx/>
-              <a:buChar char="-"/>
-            </a:pPr>
-            <a:r>
-              <a:rPr lang="en-US" altLang="ko-KR" sz="2000" dirty="0">
-                <a:solidFill>
-                  <a:schemeClr val="bg1"/>
-                </a:solidFill>
-                <a:latin typeface="한컴 윤고딕 240" panose="02020603020101020101" pitchFamily="18" charset="-127"/>
-                <a:ea typeface="한컴 윤고딕 240" panose="02020603020101020101" pitchFamily="18" charset="-127"/>
-              </a:rPr>
-              <a:t> TCP</a:t>
-            </a:r>
-            <a:r>
-              <a:rPr lang="ko-KR" altLang="en-US" sz="2000" dirty="0">
-                <a:solidFill>
-                  <a:schemeClr val="bg1"/>
-                </a:solidFill>
-                <a:latin typeface="한컴 윤고딕 240" panose="02020603020101020101" pitchFamily="18" charset="-127"/>
-                <a:ea typeface="한컴 윤고딕 240" panose="02020603020101020101" pitchFamily="18" charset="-127"/>
-              </a:rPr>
-              <a:t>를 이용한 패킷 구현 및 통신을 통한</a:t>
-            </a:r>
-            <a:endParaRPr lang="en-US" altLang="ko-KR" sz="2000" dirty="0">
-              <a:solidFill>
-                <a:schemeClr val="bg1"/>
-              </a:solidFill>
-              <a:latin typeface="한컴 윤고딕 240" panose="02020603020101020101" pitchFamily="18" charset="-127"/>
-              <a:ea typeface="한컴 윤고딕 240" panose="02020603020101020101" pitchFamily="18" charset="-127"/>
-            </a:endParaRPr>
-          </a:p>
-          <a:p>
-            <a:r>
-              <a:rPr lang="en-US" altLang="ko-KR" sz="2000" dirty="0">
-                <a:solidFill>
-                  <a:schemeClr val="bg1"/>
-                </a:solidFill>
-                <a:latin typeface="한컴 윤고딕 240" panose="02020603020101020101" pitchFamily="18" charset="-127"/>
-                <a:ea typeface="한컴 윤고딕 240" panose="02020603020101020101" pitchFamily="18" charset="-127"/>
-              </a:rPr>
-              <a:t>   </a:t>
-            </a:r>
-            <a:r>
-              <a:rPr lang="ko-KR" altLang="en-US" sz="2000" dirty="0">
-                <a:solidFill>
-                  <a:schemeClr val="bg1"/>
-                </a:solidFill>
-                <a:latin typeface="한컴 윤고딕 240" panose="02020603020101020101" pitchFamily="18" charset="-127"/>
-                <a:ea typeface="한컴 윤고딕 240" panose="02020603020101020101" pitchFamily="18" charset="-127"/>
-              </a:rPr>
-              <a:t>아이템 파밍</a:t>
-            </a:r>
-            <a:r>
-              <a:rPr lang="en-US" altLang="ko-KR" sz="2000" dirty="0">
-                <a:solidFill>
-                  <a:schemeClr val="bg1"/>
-                </a:solidFill>
-                <a:latin typeface="한컴 윤고딕 240" panose="02020603020101020101" pitchFamily="18" charset="-127"/>
-                <a:ea typeface="한컴 윤고딕 240" panose="02020603020101020101" pitchFamily="18" charset="-127"/>
-              </a:rPr>
-              <a:t>, </a:t>
-            </a:r>
-            <a:r>
-              <a:rPr lang="ko-KR" altLang="en-US" sz="2000" dirty="0">
-                <a:solidFill>
-                  <a:schemeClr val="bg1"/>
-                </a:solidFill>
-                <a:latin typeface="한컴 윤고딕 240" panose="02020603020101020101" pitchFamily="18" charset="-127"/>
-                <a:ea typeface="한컴 윤고딕 240" panose="02020603020101020101" pitchFamily="18" charset="-127"/>
-              </a:rPr>
-              <a:t>장착</a:t>
-            </a:r>
-            <a:r>
-              <a:rPr lang="en-US" altLang="ko-KR" sz="2000" dirty="0">
-                <a:solidFill>
-                  <a:schemeClr val="bg1"/>
-                </a:solidFill>
-                <a:latin typeface="한컴 윤고딕 240" panose="02020603020101020101" pitchFamily="18" charset="-127"/>
-                <a:ea typeface="한컴 윤고딕 240" panose="02020603020101020101" pitchFamily="18" charset="-127"/>
-              </a:rPr>
-              <a:t>, </a:t>
-            </a:r>
-            <a:r>
-              <a:rPr lang="ko-KR" altLang="en-US" sz="2000" dirty="0">
-                <a:solidFill>
-                  <a:schemeClr val="bg1"/>
-                </a:solidFill>
-                <a:latin typeface="한컴 윤고딕 240" panose="02020603020101020101" pitchFamily="18" charset="-127"/>
-                <a:ea typeface="한컴 윤고딕 240" panose="02020603020101020101" pitchFamily="18" charset="-127"/>
-              </a:rPr>
-              <a:t>확인 등의 플레이 요소 구현</a:t>
-            </a:r>
-            <a:endParaRPr lang="en-US" altLang="ko-KR" sz="2000" dirty="0">
-              <a:solidFill>
-                <a:schemeClr val="bg1"/>
-              </a:solidFill>
-              <a:latin typeface="한컴 윤고딕 240" panose="02020603020101020101" pitchFamily="18" charset="-127"/>
-              <a:ea typeface="한컴 윤고딕 240" panose="02020603020101020101" pitchFamily="18" charset="-127"/>
-            </a:endParaRPr>
-          </a:p>
-          <a:p>
-            <a:pPr>
-              <a:buFontTx/>
-              <a:buChar char="-"/>
-            </a:pPr>
-            <a:endParaRPr lang="en-US" altLang="ko-KR" sz="2000" dirty="0">
-              <a:solidFill>
-                <a:schemeClr val="bg1"/>
-              </a:solidFill>
-              <a:latin typeface="한컴 윤고딕 240" panose="02020603020101020101" pitchFamily="18" charset="-127"/>
-              <a:ea typeface="한컴 윤고딕 240" panose="02020603020101020101" pitchFamily="18" charset="-127"/>
-            </a:endParaRPr>
-          </a:p>
-          <a:p>
-            <a:pPr>
-              <a:buFontTx/>
-              <a:buChar char="-"/>
-            </a:pPr>
-            <a:r>
-              <a:rPr lang="en-US" altLang="ko-KR" sz="2000" dirty="0">
-                <a:solidFill>
-                  <a:schemeClr val="bg1"/>
-                </a:solidFill>
-                <a:latin typeface="한컴 윤고딕 240" panose="02020603020101020101" pitchFamily="18" charset="-127"/>
-                <a:ea typeface="한컴 윤고딕 240" panose="02020603020101020101" pitchFamily="18" charset="-127"/>
-              </a:rPr>
-              <a:t> </a:t>
-            </a:r>
-            <a:r>
-              <a:rPr lang="ko-KR" altLang="en-US" sz="2000" dirty="0">
-                <a:solidFill>
-                  <a:schemeClr val="bg1"/>
-                </a:solidFill>
-                <a:latin typeface="한컴 윤고딕 240" panose="02020603020101020101" pitchFamily="18" charset="-127"/>
-                <a:ea typeface="한컴 윤고딕 240" panose="02020603020101020101" pitchFamily="18" charset="-127"/>
-              </a:rPr>
-              <a:t>게임 컨트롤러 지원</a:t>
-            </a:r>
-            <a:endParaRPr lang="en-US" altLang="ko-KR" sz="2000" dirty="0">
-              <a:solidFill>
-                <a:schemeClr val="bg1"/>
-              </a:solidFill>
-              <a:latin typeface="한컴 윤고딕 240" panose="02020603020101020101" pitchFamily="18" charset="-127"/>
-              <a:ea typeface="한컴 윤고딕 240" panose="02020603020101020101" pitchFamily="18" charset="-127"/>
-            </a:endParaRPr>
-          </a:p>
-          <a:p>
-            <a:pPr>
-              <a:buFontTx/>
-              <a:buChar char="-"/>
-            </a:pPr>
-            <a:endParaRPr lang="en-US" altLang="ko-KR" sz="2000" dirty="0">
-              <a:solidFill>
-                <a:schemeClr val="bg1"/>
-              </a:solidFill>
-              <a:latin typeface="한컴 윤고딕 240" panose="02020603020101020101" pitchFamily="18" charset="-127"/>
-              <a:ea typeface="한컴 윤고딕 240" panose="02020603020101020101" pitchFamily="18" charset="-127"/>
-            </a:endParaRPr>
-          </a:p>
-          <a:p>
-            <a:pPr>
-              <a:buFontTx/>
-              <a:buChar char="-"/>
-            </a:pPr>
-            <a:endParaRPr lang="en-US" altLang="ko-KR" sz="2000" dirty="0">
-              <a:solidFill>
-                <a:schemeClr val="bg1"/>
-              </a:solidFill>
-              <a:latin typeface="한컴 윤고딕 240" panose="02020603020101020101" pitchFamily="18" charset="-127"/>
-              <a:ea typeface="한컴 윤고딕 240" panose="02020603020101020101" pitchFamily="18" charset="-127"/>
-            </a:endParaRPr>
-          </a:p>
-        </p:txBody>
-      </p:sp>
-      <p:pic>
-        <p:nvPicPr>
-          <p:cNvPr id="16" name="그림 15" descr="디아3_장비_chldnduq.jpg"/>
-          <p:cNvPicPr>
-            <a:picLocks noChangeAspect="1"/>
-          </p:cNvPicPr>
-          <p:nvPr/>
-        </p:nvPicPr>
-        <p:blipFill>
-          <a:blip r:embed="rId2" cstate="print"/>
-          <a:stretch>
-            <a:fillRect/>
-          </a:stretch>
-        </p:blipFill>
-        <p:spPr>
-          <a:xfrm>
-            <a:off x="8392537" y="3193755"/>
-            <a:ext cx="2932426" cy="3041981"/>
-          </a:xfrm>
-          <a:prstGeom prst="rect">
-            <a:avLst/>
-          </a:prstGeom>
-          <a:ln>
-            <a:noFill/>
-          </a:ln>
-          <a:effectLst>
-            <a:softEdge rad="112500"/>
-          </a:effectLst>
-        </p:spPr>
-      </p:pic>
-      <p:sp>
-        <p:nvSpPr>
-          <p:cNvPr id="17" name="TextBox 16"/>
-          <p:cNvSpPr txBox="1"/>
-          <p:nvPr/>
-        </p:nvSpPr>
-        <p:spPr>
-          <a:xfrm>
-            <a:off x="8392537" y="6170421"/>
-            <a:ext cx="2988319" cy="369332"/>
-          </a:xfrm>
-          <a:prstGeom prst="rect">
-            <a:avLst/>
-          </a:prstGeom>
-          <a:noFill/>
-        </p:spPr>
-        <p:txBody>
-          <a:bodyPr wrap="none" rtlCol="0">
-            <a:spAutoFit/>
-          </a:bodyPr>
-          <a:lstStyle/>
-          <a:p>
-            <a:r>
-              <a:rPr lang="ko-KR" altLang="en-US" dirty="0">
-                <a:solidFill>
-                  <a:schemeClr val="bg1"/>
-                </a:solidFill>
-                <a:latin typeface="한컴 윤고딕 240" panose="02020603020101020101" pitchFamily="18" charset="-127"/>
-                <a:ea typeface="한컴 윤고딕 240" panose="02020603020101020101" pitchFamily="18" charset="-127"/>
-              </a:rPr>
-              <a:t>장비 창을 통한 아이템 확인 </a:t>
-            </a:r>
-          </a:p>
-        </p:txBody>
-      </p:sp>
     </p:spTree>
     <p:extLst>
       <p:ext uri="{BB962C8B-B14F-4D97-AF65-F5344CB8AC3E}">
@@ -14855,7 +14897,7 @@
               <a:t>6. </a:t>
             </a:r>
             <a:r>
-              <a:rPr lang="ko-KR" altLang="en-US" sz="4000" b="0" cap="none" dirty="0">
+              <a:rPr lang="ko-KR" altLang="en-US" sz="4000" dirty="0">
                 <a:solidFill>
                   <a:schemeClr val="bg1"/>
                 </a:solidFill>
@@ -14864,6 +14906,13 @@
               </a:rPr>
               <a:t>중점 연구 분야</a:t>
             </a:r>
+            <a:endParaRPr lang="ko-KR" altLang="en-US" sz="4000" b="0" cap="none" dirty="0">
+              <a:solidFill>
+                <a:schemeClr val="bg1"/>
+              </a:solidFill>
+              <a:latin typeface="HY견고딕" charset="0"/>
+              <a:ea typeface="HY견고딕" charset="0"/>
+            </a:endParaRPr>
           </a:p>
         </p:txBody>
       </p:sp>
@@ -14936,7 +14985,7 @@
         <p:spPr>
           <a:xfrm>
             <a:off x="1798071" y="1665890"/>
-            <a:ext cx="8935085" cy="3754874"/>
+            <a:ext cx="8935085" cy="4093428"/>
           </a:xfrm>
           <a:prstGeom prst="rect">
             <a:avLst/>
@@ -14954,7 +15003,7 @@
               <a:buChar char="-"/>
             </a:pPr>
             <a:r>
-              <a:rPr lang="ko-KR" altLang="en-US" dirty="0">
+              <a:rPr lang="ko-KR" altLang="en-US" sz="2000" dirty="0">
                 <a:solidFill>
                   <a:schemeClr val="bg1"/>
                 </a:solidFill>
@@ -14963,7 +15012,7 @@
               </a:rPr>
               <a:t>서버</a:t>
             </a:r>
-            <a:endParaRPr lang="en-US" altLang="ko-KR" dirty="0">
+            <a:endParaRPr lang="en-US" altLang="ko-KR" sz="2000" dirty="0">
               <a:solidFill>
                 <a:schemeClr val="bg1"/>
               </a:solidFill>
@@ -14977,7 +15026,7 @@
               <a:buChar char="•"/>
             </a:pPr>
             <a:r>
-              <a:rPr lang="en-US" altLang="ko-KR" dirty="0" err="1">
+              <a:rPr lang="en-US" altLang="ko-KR" sz="2000" dirty="0" err="1">
                 <a:solidFill>
                   <a:schemeClr val="bg1"/>
                 </a:solidFill>
@@ -14986,7 +15035,7 @@
               </a:rPr>
               <a:t>Aaa</a:t>
             </a:r>
-            <a:endParaRPr lang="en-US" altLang="ko-KR" dirty="0">
+            <a:endParaRPr lang="en-US" altLang="ko-KR" sz="2000" dirty="0">
               <a:solidFill>
                 <a:schemeClr val="bg1"/>
               </a:solidFill>
@@ -14995,8 +15044,11 @@
             </a:endParaRPr>
           </a:p>
           <a:p>
-            <a:pPr lvl="1"/>
-            <a:endParaRPr lang="en-US" altLang="ko-KR" dirty="0">
+            <a:pPr marL="800100" lvl="1" indent="-342900">
+              <a:buFont typeface="Arial" panose="020B0604020202020204" pitchFamily="34" charset="0"/>
+              <a:buChar char="•"/>
+            </a:pPr>
+            <a:endParaRPr lang="en-US" altLang="ko-KR" sz="2000" dirty="0">
               <a:solidFill>
                 <a:schemeClr val="bg1"/>
               </a:solidFill>
@@ -15010,7 +15062,7 @@
               <a:buChar char="-"/>
             </a:pPr>
             <a:r>
-              <a:rPr lang="ko-KR" altLang="en-US" dirty="0">
+              <a:rPr lang="ko-KR" altLang="en-US" sz="2000" dirty="0">
                 <a:solidFill>
                   <a:schemeClr val="bg1"/>
                 </a:solidFill>
@@ -15019,7 +15071,7 @@
               </a:rPr>
               <a:t>클라이언트</a:t>
             </a:r>
-            <a:endParaRPr lang="en-US" altLang="ko-KR" dirty="0">
+            <a:endParaRPr lang="en-US" altLang="ko-KR" sz="2000" dirty="0">
               <a:solidFill>
                 <a:schemeClr val="bg1"/>
               </a:solidFill>
@@ -15033,7 +15085,7 @@
               <a:buChar char="•"/>
             </a:pPr>
             <a:r>
-              <a:rPr lang="en-US" altLang="ko-KR" dirty="0" err="1">
+              <a:rPr lang="en-US" altLang="ko-KR" sz="2000" dirty="0" err="1">
                 <a:solidFill>
                   <a:schemeClr val="bg1"/>
                 </a:solidFill>
@@ -15042,7 +15094,7 @@
               </a:rPr>
               <a:t>Aaa</a:t>
             </a:r>
-            <a:endParaRPr lang="en-US" altLang="ko-KR" dirty="0">
+            <a:endParaRPr lang="en-US" altLang="ko-KR" sz="2000" dirty="0">
               <a:solidFill>
                 <a:schemeClr val="bg1"/>
               </a:solidFill>
@@ -15051,8 +15103,11 @@
             </a:endParaRPr>
           </a:p>
           <a:p>
-            <a:pPr lvl="1"/>
-            <a:endParaRPr lang="en-US" altLang="ko-KR" dirty="0">
+            <a:pPr marL="800100" lvl="1" indent="-342900">
+              <a:buFont typeface="Arial" panose="020B0604020202020204" pitchFamily="34" charset="0"/>
+              <a:buChar char="•"/>
+            </a:pPr>
+            <a:endParaRPr lang="en-US" altLang="ko-KR" sz="2000" dirty="0">
               <a:solidFill>
                 <a:schemeClr val="bg1"/>
               </a:solidFill>
@@ -15066,7 +15121,7 @@
               <a:buChar char="-"/>
             </a:pPr>
             <a:r>
-              <a:rPr lang="ko-KR" altLang="en-US" dirty="0">
+              <a:rPr lang="ko-KR" altLang="en-US" sz="2000" dirty="0">
                 <a:solidFill>
                   <a:schemeClr val="bg1"/>
                 </a:solidFill>
@@ -15075,7 +15130,7 @@
               </a:rPr>
               <a:t>그래픽</a:t>
             </a:r>
-            <a:endParaRPr lang="en-US" altLang="ko-KR" dirty="0">
+            <a:endParaRPr lang="en-US" altLang="ko-KR" sz="2000" dirty="0">
               <a:solidFill>
                 <a:schemeClr val="bg1"/>
               </a:solidFill>
@@ -15089,7 +15144,7 @@
               <a:buChar char="•"/>
             </a:pPr>
             <a:r>
-              <a:rPr lang="en-US" altLang="ko-KR" dirty="0" err="1">
+              <a:rPr lang="en-US" altLang="ko-KR" sz="2000" dirty="0" err="1">
                 <a:solidFill>
                   <a:schemeClr val="bg1"/>
                 </a:solidFill>
@@ -15099,16 +15154,16 @@
               <a:t>Zbrush</a:t>
             </a:r>
             <a:r>
-              <a:rPr lang="ko-KR" altLang="en-US" dirty="0">
+              <a:rPr lang="ko-KR" altLang="en-US" sz="2000" dirty="0">
                 <a:solidFill>
                   <a:schemeClr val="bg1"/>
                 </a:solidFill>
                 <a:latin typeface="한컴 윤고딕 240" panose="02020603020101020101" pitchFamily="18" charset="-127"/>
                 <a:ea typeface="한컴 윤고딕 240" panose="02020603020101020101" pitchFamily="18" charset="-127"/>
               </a:rPr>
-              <a:t>를 통한 베이스 모델링 제작</a:t>
-            </a:r>
-            <a:endParaRPr lang="en-US" altLang="ko-KR" dirty="0">
+              <a:t>로 베이스 모델링 제작</a:t>
+            </a:r>
+            <a:endParaRPr lang="en-US" altLang="ko-KR" sz="2000" dirty="0">
               <a:solidFill>
                 <a:schemeClr val="bg1"/>
               </a:solidFill>
@@ -15122,27 +15177,27 @@
               <a:buChar char="•"/>
             </a:pPr>
             <a:r>
-              <a:rPr lang="ko-KR" altLang="en-US" dirty="0" err="1">
+              <a:rPr lang="ko-KR" altLang="en-US" sz="2000" dirty="0" err="1">
                 <a:solidFill>
                   <a:schemeClr val="bg1"/>
                 </a:solidFill>
                 <a:latin typeface="한컴 윤고딕 240" panose="02020603020101020101" pitchFamily="18" charset="-127"/>
                 <a:ea typeface="한컴 윤고딕 240" panose="02020603020101020101" pitchFamily="18" charset="-127"/>
               </a:rPr>
-              <a:t>리토폴로지</a:t>
-            </a:r>
-            <a:r>
-              <a:rPr lang="ko-KR" altLang="en-US" dirty="0">
+              <a:t>리토폴로지한뒤</a:t>
+            </a:r>
+            <a:r>
+              <a:rPr lang="ko-KR" altLang="en-US" sz="2000" dirty="0">
                 <a:solidFill>
                   <a:schemeClr val="bg1"/>
                 </a:solidFill>
                 <a:latin typeface="한컴 윤고딕 240" panose="02020603020101020101" pitchFamily="18" charset="-127"/>
                 <a:ea typeface="한컴 윤고딕 240" panose="02020603020101020101" pitchFamily="18" charset="-127"/>
               </a:rPr>
-              <a:t> 이후 </a:t>
-            </a:r>
-            <a:r>
-              <a:rPr lang="en-US" altLang="ko-KR" dirty="0">
+              <a:t> </a:t>
+            </a:r>
+            <a:r>
+              <a:rPr lang="en-US" altLang="ko-KR" sz="2000" dirty="0">
                 <a:solidFill>
                   <a:schemeClr val="bg1"/>
                 </a:solidFill>
@@ -15152,17 +15207,17 @@
               <a:t>3d Max</a:t>
             </a:r>
             <a:r>
-              <a:rPr lang="ko-KR" altLang="en-US" dirty="0">
+              <a:rPr lang="ko-KR" altLang="en-US" sz="2000" dirty="0">
                 <a:solidFill>
                   <a:schemeClr val="bg1"/>
                 </a:solidFill>
                 <a:latin typeface="한컴 윤고딕 240" panose="02020603020101020101" pitchFamily="18" charset="-127"/>
                 <a:ea typeface="한컴 윤고딕 240" panose="02020603020101020101" pitchFamily="18" charset="-127"/>
               </a:rPr>
-              <a:t>로 </a:t>
-            </a:r>
-            <a:r>
-              <a:rPr lang="en-US" altLang="ko-KR" dirty="0">
+              <a:t>에서 </a:t>
+            </a:r>
+            <a:r>
+              <a:rPr lang="en-US" altLang="ko-KR" sz="2000" dirty="0">
                 <a:solidFill>
                   <a:schemeClr val="bg1"/>
                 </a:solidFill>
@@ -15172,16 +15227,26 @@
               <a:t>UV</a:t>
             </a:r>
             <a:r>
-              <a:rPr lang="ko-KR" altLang="en-US" dirty="0" err="1">
+              <a:rPr lang="ko-KR" altLang="en-US" sz="2000" dirty="0">
                 <a:solidFill>
                   <a:schemeClr val="bg1"/>
                 </a:solidFill>
                 <a:latin typeface="한컴 윤고딕 240" panose="02020603020101020101" pitchFamily="18" charset="-127"/>
                 <a:ea typeface="한컴 윤고딕 240" panose="02020603020101020101" pitchFamily="18" charset="-127"/>
               </a:rPr>
+              <a:t> </a:t>
+            </a:r>
+            <a:r>
+              <a:rPr lang="ko-KR" altLang="en-US" sz="2000" dirty="0" err="1">
+                <a:solidFill>
+                  <a:schemeClr val="bg1"/>
+                </a:solidFill>
+                <a:latin typeface="한컴 윤고딕 240" panose="02020603020101020101" pitchFamily="18" charset="-127"/>
+                <a:ea typeface="한컴 윤고딕 240" panose="02020603020101020101" pitchFamily="18" charset="-127"/>
+              </a:rPr>
               <a:t>언랩</a:t>
             </a:r>
-            <a:endParaRPr lang="en-US" altLang="ko-KR" dirty="0">
+            <a:endParaRPr lang="en-US" altLang="ko-KR" sz="2000" dirty="0">
               <a:solidFill>
                 <a:schemeClr val="bg1"/>
               </a:solidFill>
@@ -15195,7 +15260,7 @@
               <a:buChar char="•"/>
             </a:pPr>
             <a:r>
-              <a:rPr lang="en-US" altLang="ko-KR" dirty="0">
+              <a:rPr lang="en-US" altLang="ko-KR" sz="2000" dirty="0">
                 <a:solidFill>
                   <a:schemeClr val="bg1"/>
                 </a:solidFill>
@@ -15205,7 +15270,7 @@
               <a:t>Substance Painter</a:t>
             </a:r>
             <a:r>
-              <a:rPr lang="ko-KR" altLang="en-US" dirty="0">
+              <a:rPr lang="ko-KR" altLang="en-US" sz="2000" dirty="0">
                 <a:solidFill>
                   <a:schemeClr val="bg1"/>
                 </a:solidFill>
@@ -15215,26 +15280,46 @@
               <a:t>를 이용한 </a:t>
             </a:r>
             <a:r>
-              <a:rPr lang="en-US" altLang="ko-KR" dirty="0">
+              <a:rPr lang="ko-KR" altLang="en-US" sz="2000" dirty="0" err="1">
                 <a:solidFill>
                   <a:schemeClr val="bg1"/>
                 </a:solidFill>
                 <a:latin typeface="한컴 윤고딕 240" panose="02020603020101020101" pitchFamily="18" charset="-127"/>
                 <a:ea typeface="한컴 윤고딕 240" panose="02020603020101020101" pitchFamily="18" charset="-127"/>
               </a:rPr>
-              <a:t>UV</a:t>
-            </a:r>
-            <a:r>
-              <a:rPr lang="ko-KR" altLang="en-US" dirty="0">
+              <a:t>매핑툴로</a:t>
+            </a:r>
+            <a:r>
+              <a:rPr lang="ko-KR" altLang="en-US" sz="2000" dirty="0">
                 <a:solidFill>
                   <a:schemeClr val="bg1"/>
                 </a:solidFill>
                 <a:latin typeface="한컴 윤고딕 240" panose="02020603020101020101" pitchFamily="18" charset="-127"/>
                 <a:ea typeface="한컴 윤고딕 240" panose="02020603020101020101" pitchFamily="18" charset="-127"/>
               </a:rPr>
+              <a:t> </a:t>
+            </a:r>
+            <a:r>
+              <a:rPr lang="en-US" altLang="ko-KR" sz="2000" dirty="0">
+                <a:solidFill>
+                  <a:schemeClr val="bg1"/>
+                </a:solidFill>
+                <a:latin typeface="한컴 윤고딕 240" panose="02020603020101020101" pitchFamily="18" charset="-127"/>
+                <a:ea typeface="한컴 윤고딕 240" panose="02020603020101020101" pitchFamily="18" charset="-127"/>
+              </a:rPr>
+              <a:t>UV</a:t>
+            </a:r>
+            <a:r>
+              <a:rPr lang="ko-KR" altLang="en-US" sz="2000" dirty="0">
+                <a:solidFill>
+                  <a:schemeClr val="bg1"/>
+                </a:solidFill>
+                <a:latin typeface="한컴 윤고딕 240" panose="02020603020101020101" pitchFamily="18" charset="-127"/>
+                <a:ea typeface="한컴 윤고딕 240" panose="02020603020101020101" pitchFamily="18" charset="-127"/>
+              </a:rPr>
               <a:t>제작</a:t>
             </a:r>
-            <a:endParaRPr lang="en-US" altLang="ko-KR" dirty="0">
+            <a:endParaRPr lang="en-US" altLang="ko-KR" sz="2000" dirty="0">
               <a:solidFill>
                 <a:schemeClr val="bg1"/>
               </a:solidFill>
@@ -15248,26 +15333,59 @@
               <a:buChar char="•"/>
             </a:pPr>
             <a:r>
-              <a:rPr lang="en-US" altLang="ko-KR" dirty="0">
+              <a:rPr lang="en-US" altLang="ko-KR" sz="2000" dirty="0">
                 <a:solidFill>
                   <a:schemeClr val="bg1"/>
                 </a:solidFill>
                 <a:latin typeface="한컴 윤고딕 240" panose="02020603020101020101" pitchFamily="18" charset="-127"/>
                 <a:ea typeface="한컴 윤고딕 240" panose="02020603020101020101" pitchFamily="18" charset="-127"/>
               </a:rPr>
-              <a:t>3d Max</a:t>
-            </a:r>
-            <a:r>
-              <a:rPr lang="ko-KR" altLang="en-US" dirty="0">
+              <a:t>3d</a:t>
+            </a:r>
+            <a:r>
+              <a:rPr lang="ko-KR" altLang="en-US" sz="2000" dirty="0">
                 <a:solidFill>
                   <a:schemeClr val="bg1"/>
                 </a:solidFill>
                 <a:latin typeface="한컴 윤고딕 240" panose="02020603020101020101" pitchFamily="18" charset="-127"/>
                 <a:ea typeface="한컴 윤고딕 240" panose="02020603020101020101" pitchFamily="18" charset="-127"/>
               </a:rPr>
-              <a:t>를 통한 애니메이션 제작</a:t>
-            </a:r>
-            <a:endParaRPr lang="en-US" altLang="ko-KR" dirty="0">
+              <a:t> </a:t>
+            </a:r>
+            <a:r>
+              <a:rPr lang="en-US" altLang="ko-KR" sz="2000" dirty="0">
+                <a:solidFill>
+                  <a:schemeClr val="bg1"/>
+                </a:solidFill>
+                <a:latin typeface="한컴 윤고딕 240" panose="02020603020101020101" pitchFamily="18" charset="-127"/>
+                <a:ea typeface="한컴 윤고딕 240" panose="02020603020101020101" pitchFamily="18" charset="-127"/>
+              </a:rPr>
+              <a:t>Max</a:t>
+            </a:r>
+            <a:r>
+              <a:rPr lang="ko-KR" altLang="en-US" sz="2000" dirty="0">
+                <a:solidFill>
+                  <a:schemeClr val="bg1"/>
+                </a:solidFill>
+                <a:latin typeface="한컴 윤고딕 240" panose="02020603020101020101" pitchFamily="18" charset="-127"/>
+                <a:ea typeface="한컴 윤고딕 240" panose="02020603020101020101" pitchFamily="18" charset="-127"/>
+              </a:rPr>
+              <a:t>에서 애니메이션 제작</a:t>
+            </a:r>
+            <a:endParaRPr lang="en-US" altLang="ko-KR" sz="2000" dirty="0">
+              <a:solidFill>
+                <a:schemeClr val="bg1"/>
+              </a:solidFill>
+              <a:latin typeface="한컴 윤고딕 240" panose="02020603020101020101" pitchFamily="18" charset="-127"/>
+              <a:ea typeface="한컴 윤고딕 240" panose="02020603020101020101" pitchFamily="18" charset="-127"/>
+            </a:endParaRPr>
+          </a:p>
+          <a:p>
+            <a:pPr marL="800100" lvl="1" indent="-342900">
+              <a:buFont typeface="Arial" panose="020B0604020202020204" pitchFamily="34" charset="0"/>
+              <a:buChar char="•"/>
+            </a:pPr>
+            <a:endParaRPr lang="en-US" altLang="ko-KR" sz="2000" dirty="0">
               <a:solidFill>
                 <a:schemeClr val="bg1"/>
               </a:solidFill>
@@ -15288,27 +15406,14 @@
               <a:ea typeface="한컴 윤고딕 240" panose="02020603020101020101" pitchFamily="18" charset="-127"/>
             </a:endParaRPr>
           </a:p>
-          <a:p>
-            <a:pPr>
-              <a:buFontTx/>
-              <a:buChar char="-"/>
-            </a:pPr>
-            <a:endParaRPr lang="en-US" altLang="ko-KR" sz="2000" dirty="0">
-              <a:solidFill>
-                <a:schemeClr val="bg1"/>
-              </a:solidFill>
-              <a:latin typeface="한컴 윤고딕 240" panose="02020603020101020101" pitchFamily="18" charset="-127"/>
-              <a:ea typeface="한컴 윤고딕 240" panose="02020603020101020101" pitchFamily="18" charset="-127"/>
-            </a:endParaRPr>
-          </a:p>
         </p:txBody>
       </p:sp>
       <p:grpSp>
         <p:nvGrpSpPr>
-          <p:cNvPr id="18" name="그룹 12">
+          <p:cNvPr id="13" name="그룹 12">
             <a:extLst>
               <a:ext uri="{FF2B5EF4-FFF2-40B4-BE49-F238E27FC236}">
-                <a16:creationId xmlns:a16="http://schemas.microsoft.com/office/drawing/2014/main" id="{5C7B04EE-EBEE-4AC8-B8D0-3D2A14980556}"/>
+                <a16:creationId xmlns:a16="http://schemas.microsoft.com/office/drawing/2014/main" id="{226551C5-C04A-44C4-84B6-E271D8806191}"/>
               </a:ext>
             </a:extLst>
           </p:cNvPr>
@@ -15325,10 +15430,10 @@
         </p:grpSpPr>
         <p:sp>
           <p:nvSpPr>
-            <p:cNvPr id="19" name="타원 18">
+            <p:cNvPr id="16" name="타원 15">
               <a:extLst>
                 <a:ext uri="{FF2B5EF4-FFF2-40B4-BE49-F238E27FC236}">
-                  <a16:creationId xmlns:a16="http://schemas.microsoft.com/office/drawing/2014/main" id="{0472C137-D28F-40BA-83E0-0E64EF253FD4}"/>
+                  <a16:creationId xmlns:a16="http://schemas.microsoft.com/office/drawing/2014/main" id="{508F53F5-BCDB-4DC0-9552-38B111C11D56}"/>
                 </a:ext>
               </a:extLst>
             </p:cNvPr>
@@ -15377,10 +15482,10 @@
         </p:sp>
         <p:sp>
           <p:nvSpPr>
-            <p:cNvPr id="20" name="타원 19">
+            <p:cNvPr id="17" name="타원 16">
               <a:extLst>
                 <a:ext uri="{FF2B5EF4-FFF2-40B4-BE49-F238E27FC236}">
-                  <a16:creationId xmlns:a16="http://schemas.microsoft.com/office/drawing/2014/main" id="{22CD3661-D509-4E6F-81D9-8CB94A406893}"/>
+                  <a16:creationId xmlns:a16="http://schemas.microsoft.com/office/drawing/2014/main" id="{BBADA349-30EB-4B20-AEDA-010536924D1D}"/>
                 </a:ext>
               </a:extLst>
             </p:cNvPr>
@@ -15429,10 +15534,10 @@
         </p:sp>
         <p:sp>
           <p:nvSpPr>
-            <p:cNvPr id="21" name="타원 20">
+            <p:cNvPr id="18" name="타원 17">
               <a:extLst>
                 <a:ext uri="{FF2B5EF4-FFF2-40B4-BE49-F238E27FC236}">
-                  <a16:creationId xmlns:a16="http://schemas.microsoft.com/office/drawing/2014/main" id="{8CA15811-7DBF-48AD-A5A4-2075150EA59D}"/>
+                  <a16:creationId xmlns:a16="http://schemas.microsoft.com/office/drawing/2014/main" id="{BE317DE9-4FC8-4F88-A7C3-A46B193E060D}"/>
                 </a:ext>
               </a:extLst>
             </p:cNvPr>
@@ -15481,10 +15586,10 @@
         </p:sp>
         <p:cxnSp>
           <p:nvCxnSpPr>
-            <p:cNvPr id="26" name="직선 연결선 25">
+            <p:cNvPr id="19" name="직선 연결선 18">
               <a:extLst>
                 <a:ext uri="{FF2B5EF4-FFF2-40B4-BE49-F238E27FC236}">
-                  <a16:creationId xmlns:a16="http://schemas.microsoft.com/office/drawing/2014/main" id="{2E049A92-B517-4C97-BC19-79F0483E0B63}"/>
+                  <a16:creationId xmlns:a16="http://schemas.microsoft.com/office/drawing/2014/main" id="{059260E6-4A4C-4DEA-8F85-A1EFD6A21414}"/>
                 </a:ext>
               </a:extLst>
             </p:cNvPr>
@@ -15540,7 +15645,7 @@
     </p:spTree>
     <p:extLst>
       <p:ext uri="{BB962C8B-B14F-4D97-AF65-F5344CB8AC3E}">
-        <p14:creationId xmlns:p14="http://schemas.microsoft.com/office/powerpoint/2010/main" val="3295283190"/>
+        <p14:creationId xmlns:p14="http://schemas.microsoft.com/office/powerpoint/2010/main" val="2180978801"/>
       </p:ext>
     </p:extLst>
   </p:cSld>
